--- a/Microservice.pptx
+++ b/Microservice.pptx
@@ -5,16 +5,17 @@
     <p:sldMasterId id="2147484070" r:id="rId4"/>
   </p:sldMasterIdLst>
   <p:notesMasterIdLst>
-    <p:notesMasterId r:id="rId9"/>
+    <p:notesMasterId r:id="rId10"/>
   </p:notesMasterIdLst>
   <p:handoutMasterIdLst>
-    <p:handoutMasterId r:id="rId10"/>
+    <p:handoutMasterId r:id="rId11"/>
   </p:handoutMasterIdLst>
   <p:sldIdLst>
     <p:sldId id="256" r:id="rId5"/>
     <p:sldId id="284" r:id="rId6"/>
     <p:sldId id="286" r:id="rId7"/>
     <p:sldId id="287" r:id="rId8"/>
+    <p:sldId id="288" r:id="rId9"/>
   </p:sldIdLst>
   <p:sldSz cx="12192000" cy="6858000"/>
   <p:notesSz cx="6858000" cy="9144000"/>
@@ -148,15 +149,15 @@
 </file>
 
 <file path=ppt/diagrams/colors1.xml><?xml version="1.0" encoding="utf-8"?>
-<dgm:colorsDef xmlns:dgm="http://schemas.openxmlformats.org/drawingml/2006/diagram" xmlns:a="http://schemas.openxmlformats.org/drawingml/2006/main" uniqueId="urn:microsoft.com/office/officeart/2005/8/colors/colorful1">
+<dgm:colorsDef xmlns:dgm="http://schemas.openxmlformats.org/drawingml/2006/diagram" xmlns:a="http://schemas.openxmlformats.org/drawingml/2006/main" uniqueId="urn:microsoft.com/office/officeart/2005/8/colors/colorful5">
   <dgm:title val=""/>
   <dgm:desc val=""/>
   <dgm:catLst>
-    <dgm:cat type="colorful" pri="10100"/>
+    <dgm:cat type="colorful" pri="10500"/>
   </dgm:catLst>
   <dgm:styleLbl name="node0">
     <dgm:fillClrLst meth="repeat">
-      <a:schemeClr val="accent1"/>
+      <a:schemeClr val="accent4"/>
     </dgm:fillClrLst>
     <dgm:linClrLst meth="repeat">
       <a:schemeClr val="lt1"/>
@@ -167,10 +168,7 @@
     <dgm:txEffectClrLst/>
   </dgm:styleLbl>
   <dgm:styleLbl name="node1">
-    <dgm:fillClrLst meth="repeat">
-      <a:schemeClr val="accent2"/>
-      <a:schemeClr val="accent3"/>
-      <a:schemeClr val="accent4"/>
+    <dgm:fillClrLst>
       <a:schemeClr val="accent5"/>
       <a:schemeClr val="accent6"/>
     </dgm:fillClrLst>
@@ -183,17 +181,11 @@
     <dgm:txEffectClrLst/>
   </dgm:styleLbl>
   <dgm:styleLbl name="alignNode1">
-    <dgm:fillClrLst meth="repeat">
-      <a:schemeClr val="accent2"/>
-      <a:schemeClr val="accent3"/>
-      <a:schemeClr val="accent4"/>
+    <dgm:fillClrLst>
       <a:schemeClr val="accent5"/>
       <a:schemeClr val="accent6"/>
     </dgm:fillClrLst>
-    <dgm:linClrLst meth="repeat">
-      <a:schemeClr val="accent2"/>
-      <a:schemeClr val="accent3"/>
-      <a:schemeClr val="accent4"/>
+    <dgm:linClrLst>
       <a:schemeClr val="accent5"/>
       <a:schemeClr val="accent6"/>
     </dgm:linClrLst>
@@ -203,10 +195,7 @@
     <dgm:txEffectClrLst/>
   </dgm:styleLbl>
   <dgm:styleLbl name="lnNode1">
-    <dgm:fillClrLst meth="repeat">
-      <a:schemeClr val="accent2"/>
-      <a:schemeClr val="accent3"/>
-      <a:schemeClr val="accent4"/>
+    <dgm:fillClrLst>
       <a:schemeClr val="accent5"/>
       <a:schemeClr val="accent6"/>
     </dgm:fillClrLst>
@@ -219,16 +208,7 @@
     <dgm:txEffectClrLst/>
   </dgm:styleLbl>
   <dgm:styleLbl name="vennNode1">
-    <dgm:fillClrLst meth="repeat">
-      <a:schemeClr val="accent2">
-        <a:alpha val="50000"/>
-      </a:schemeClr>
-      <a:schemeClr val="accent3">
-        <a:alpha val="50000"/>
-      </a:schemeClr>
-      <a:schemeClr val="accent4">
-        <a:alpha val="50000"/>
-      </a:schemeClr>
+    <dgm:fillClrLst>
       <a:schemeClr val="accent5">
         <a:alpha val="50000"/>
       </a:schemeClr>
@@ -246,7 +226,7 @@
   </dgm:styleLbl>
   <dgm:styleLbl name="node2">
     <dgm:fillClrLst>
-      <a:schemeClr val="accent2"/>
+      <a:schemeClr val="accent6"/>
     </dgm:fillClrLst>
     <dgm:linClrLst meth="repeat">
       <a:schemeClr val="lt1"/>
@@ -258,7 +238,7 @@
   </dgm:styleLbl>
   <dgm:styleLbl name="node3">
     <dgm:fillClrLst>
-      <a:schemeClr val="accent3"/>
+      <a:schemeClr val="accent1"/>
     </dgm:fillClrLst>
     <dgm:linClrLst meth="repeat">
       <a:schemeClr val="lt1"/>
@@ -270,7 +250,7 @@
   </dgm:styleLbl>
   <dgm:styleLbl name="node4">
     <dgm:fillClrLst>
-      <a:schemeClr val="accent4"/>
+      <a:schemeClr val="accent2"/>
     </dgm:fillClrLst>
     <dgm:linClrLst meth="repeat">
       <a:schemeClr val="lt1"/>
@@ -281,16 +261,7 @@
     <dgm:txEffectClrLst/>
   </dgm:styleLbl>
   <dgm:styleLbl name="fgImgPlace1">
-    <dgm:fillClrLst meth="repeat">
-      <a:schemeClr val="accent2">
-        <a:tint val="50000"/>
-      </a:schemeClr>
-      <a:schemeClr val="accent3">
-        <a:tint val="50000"/>
-      </a:schemeClr>
-      <a:schemeClr val="accent4">
-        <a:tint val="50000"/>
-      </a:schemeClr>
+    <dgm:fillClrLst>
       <a:schemeClr val="accent5">
         <a:tint val="50000"/>
       </a:schemeClr>
@@ -310,10 +281,10 @@
   </dgm:styleLbl>
   <dgm:styleLbl name="alignImgPlace1">
     <dgm:fillClrLst>
-      <a:schemeClr val="accent1">
+      <a:schemeClr val="accent5">
         <a:tint val="50000"/>
       </a:schemeClr>
-      <a:schemeClr val="accent2">
+      <a:schemeClr val="accent6">
         <a:tint val="20000"/>
       </a:schemeClr>
     </dgm:fillClrLst>
@@ -329,10 +300,10 @@
   </dgm:styleLbl>
   <dgm:styleLbl name="bgImgPlace1">
     <dgm:fillClrLst>
-      <a:schemeClr val="accent1">
+      <a:schemeClr val="accent5">
         <a:tint val="50000"/>
       </a:schemeClr>
-      <a:schemeClr val="accent2">
+      <a:schemeClr val="accent6">
         <a:tint val="20000"/>
       </a:schemeClr>
     </dgm:fillClrLst>
@@ -347,14 +318,11 @@
     <dgm:txEffectClrLst/>
   </dgm:styleLbl>
   <dgm:styleLbl name="sibTrans2D1">
-    <dgm:fillClrLst meth="repeat">
-      <a:schemeClr val="accent2"/>
-      <a:schemeClr val="accent3"/>
-      <a:schemeClr val="accent4"/>
+    <dgm:fillClrLst>
       <a:schemeClr val="accent5"/>
       <a:schemeClr val="accent6"/>
     </dgm:fillClrLst>
-    <dgm:linClrLst meth="cycle">
+    <dgm:linClrLst meth="repeat">
       <a:schemeClr val="lt1"/>
     </dgm:linClrLst>
     <dgm:effectClrLst/>
@@ -363,14 +331,11 @@
     <dgm:txEffectClrLst/>
   </dgm:styleLbl>
   <dgm:styleLbl name="fgSibTrans2D1">
-    <dgm:fillClrLst meth="repeat">
-      <a:schemeClr val="accent2"/>
-      <a:schemeClr val="accent3"/>
-      <a:schemeClr val="accent4"/>
+    <dgm:fillClrLst>
       <a:schemeClr val="accent5"/>
       <a:schemeClr val="accent6"/>
     </dgm:fillClrLst>
-    <dgm:linClrLst meth="cycle">
+    <dgm:linClrLst meth="repeat">
       <a:schemeClr val="lt1"/>
     </dgm:linClrLst>
     <dgm:effectClrLst/>
@@ -381,14 +346,11 @@
     <dgm:txEffectClrLst/>
   </dgm:styleLbl>
   <dgm:styleLbl name="bgSibTrans2D1">
-    <dgm:fillClrLst meth="repeat">
-      <a:schemeClr val="accent2"/>
-      <a:schemeClr val="accent3"/>
-      <a:schemeClr val="accent4"/>
+    <dgm:fillClrLst>
       <a:schemeClr val="accent5"/>
       <a:schemeClr val="accent6"/>
     </dgm:fillClrLst>
-    <dgm:linClrLst meth="cycle">
+    <dgm:linClrLst meth="repeat">
       <a:schemeClr val="lt1"/>
     </dgm:linClrLst>
     <dgm:effectClrLst/>
@@ -399,17 +361,8 @@
     <dgm:txEffectClrLst/>
   </dgm:styleLbl>
   <dgm:styleLbl name="sibTrans1D1">
-    <dgm:fillClrLst meth="repeat">
-      <a:schemeClr val="accent2"/>
-      <a:schemeClr val="accent3"/>
-      <a:schemeClr val="accent4"/>
-      <a:schemeClr val="accent5"/>
-      <a:schemeClr val="accent6"/>
-    </dgm:fillClrLst>
-    <dgm:linClrLst meth="repeat">
-      <a:schemeClr val="accent2"/>
-      <a:schemeClr val="accent3"/>
-      <a:schemeClr val="accent4"/>
+    <dgm:fillClrLst/>
+    <dgm:linClrLst>
       <a:schemeClr val="accent5"/>
       <a:schemeClr val="accent6"/>
     </dgm:linClrLst>
@@ -422,10 +375,10 @@
   </dgm:styleLbl>
   <dgm:styleLbl name="callout">
     <dgm:fillClrLst meth="repeat">
-      <a:schemeClr val="accent2"/>
+      <a:schemeClr val="accent5"/>
     </dgm:fillClrLst>
     <dgm:linClrLst meth="repeat">
-      <a:schemeClr val="accent2">
+      <a:schemeClr val="accent5">
         <a:tint val="50000"/>
       </a:schemeClr>
     </dgm:linClrLst>
@@ -438,6 +391,34 @@
   </dgm:styleLbl>
   <dgm:styleLbl name="asst0">
     <dgm:fillClrLst meth="repeat">
+      <a:schemeClr val="accent5"/>
+    </dgm:fillClrLst>
+    <dgm:linClrLst meth="repeat">
+      <a:schemeClr val="lt1">
+        <a:shade val="80000"/>
+      </a:schemeClr>
+    </dgm:linClrLst>
+    <dgm:effectClrLst/>
+    <dgm:txLinClrLst/>
+    <dgm:txFillClrLst/>
+    <dgm:txEffectClrLst/>
+  </dgm:styleLbl>
+  <dgm:styleLbl name="asst1">
+    <dgm:fillClrLst meth="repeat">
+      <a:schemeClr val="accent6"/>
+    </dgm:fillClrLst>
+    <dgm:linClrLst meth="repeat">
+      <a:schemeClr val="lt1">
+        <a:shade val="80000"/>
+      </a:schemeClr>
+    </dgm:linClrLst>
+    <dgm:effectClrLst/>
+    <dgm:txLinClrLst/>
+    <dgm:txFillClrLst/>
+    <dgm:txEffectClrLst/>
+  </dgm:styleLbl>
+  <dgm:styleLbl name="asst2">
+    <dgm:fillClrLst>
       <a:schemeClr val="accent1"/>
     </dgm:fillClrLst>
     <dgm:linClrLst meth="repeat">
@@ -448,8 +429,8 @@
     <dgm:txFillClrLst/>
     <dgm:txEffectClrLst/>
   </dgm:styleLbl>
-  <dgm:styleLbl name="asst1">
-    <dgm:fillClrLst meth="repeat">
+  <dgm:styleLbl name="asst3">
+    <dgm:fillClrLst>
       <a:schemeClr val="accent2"/>
     </dgm:fillClrLst>
     <dgm:linClrLst meth="repeat">
@@ -460,7 +441,7 @@
     <dgm:txFillClrLst/>
     <dgm:txEffectClrLst/>
   </dgm:styleLbl>
-  <dgm:styleLbl name="asst2">
+  <dgm:styleLbl name="asst4">
     <dgm:fillClrLst>
       <a:schemeClr val="accent3"/>
     </dgm:fillClrLst>
@@ -472,33 +453,9 @@
     <dgm:txFillClrLst/>
     <dgm:txEffectClrLst/>
   </dgm:styleLbl>
-  <dgm:styleLbl name="asst3">
-    <dgm:fillClrLst>
-      <a:schemeClr val="accent4"/>
-    </dgm:fillClrLst>
-    <dgm:linClrLst meth="repeat">
-      <a:schemeClr val="lt1"/>
-    </dgm:linClrLst>
-    <dgm:effectClrLst/>
-    <dgm:txLinClrLst/>
-    <dgm:txFillClrLst/>
-    <dgm:txEffectClrLst/>
-  </dgm:styleLbl>
-  <dgm:styleLbl name="asst4">
-    <dgm:fillClrLst>
-      <a:schemeClr val="accent5"/>
-    </dgm:fillClrLst>
-    <dgm:linClrLst meth="repeat">
-      <a:schemeClr val="lt1"/>
-    </dgm:linClrLst>
-    <dgm:effectClrLst/>
-    <dgm:txLinClrLst/>
-    <dgm:txFillClrLst/>
-    <dgm:txEffectClrLst/>
-  </dgm:styleLbl>
   <dgm:styleLbl name="parChTrans2D1">
     <dgm:fillClrLst meth="repeat">
-      <a:schemeClr val="accent2"/>
+      <a:schemeClr val="accent5"/>
     </dgm:fillClrLst>
     <dgm:linClrLst meth="repeat">
       <a:schemeClr val="lt1"/>
@@ -512,7 +469,7 @@
   </dgm:styleLbl>
   <dgm:styleLbl name="parChTrans2D2">
     <dgm:fillClrLst meth="repeat">
-      <a:schemeClr val="accent3"/>
+      <a:schemeClr val="accent6"/>
     </dgm:fillClrLst>
     <dgm:linClrLst meth="repeat">
       <a:schemeClr val="lt1"/>
@@ -524,7 +481,7 @@
   </dgm:styleLbl>
   <dgm:styleLbl name="parChTrans2D3">
     <dgm:fillClrLst meth="repeat">
-      <a:schemeClr val="accent4"/>
+      <a:schemeClr val="accent6"/>
     </dgm:fillClrLst>
     <dgm:linClrLst meth="repeat">
       <a:schemeClr val="lt1"/>
@@ -536,7 +493,7 @@
   </dgm:styleLbl>
   <dgm:styleLbl name="parChTrans2D4">
     <dgm:fillClrLst meth="repeat">
-      <a:schemeClr val="accent5"/>
+      <a:schemeClr val="accent1"/>
     </dgm:fillClrLst>
     <dgm:linClrLst meth="repeat">
       <a:schemeClr val="lt1"/>
@@ -550,7 +507,39 @@
   </dgm:styleLbl>
   <dgm:styleLbl name="parChTrans1D1">
     <dgm:fillClrLst meth="repeat">
-      <a:schemeClr val="accent2"/>
+      <a:schemeClr val="accent5"/>
+    </dgm:fillClrLst>
+    <dgm:linClrLst meth="repeat">
+      <a:schemeClr val="accent5"/>
+    </dgm:linClrLst>
+    <dgm:effectClrLst/>
+    <dgm:txLinClrLst/>
+    <dgm:txFillClrLst meth="repeat">
+      <a:schemeClr val="tx1"/>
+    </dgm:txFillClrLst>
+    <dgm:txEffectClrLst/>
+  </dgm:styleLbl>
+  <dgm:styleLbl name="parChTrans1D2">
+    <dgm:fillClrLst meth="repeat">
+      <a:schemeClr val="accent6">
+        <a:tint val="90000"/>
+      </a:schemeClr>
+    </dgm:fillClrLst>
+    <dgm:linClrLst meth="repeat">
+      <a:schemeClr val="accent6"/>
+    </dgm:linClrLst>
+    <dgm:effectClrLst/>
+    <dgm:txLinClrLst/>
+    <dgm:txFillClrLst meth="repeat">
+      <a:schemeClr val="tx1"/>
+    </dgm:txFillClrLst>
+    <dgm:txEffectClrLst/>
+  </dgm:styleLbl>
+  <dgm:styleLbl name="parChTrans1D3">
+    <dgm:fillClrLst meth="repeat">
+      <a:schemeClr val="accent6">
+        <a:tint val="70000"/>
+      </a:schemeClr>
     </dgm:fillClrLst>
     <dgm:linClrLst meth="repeat">
       <a:schemeClr val="accent1"/>
@@ -562,46 +551,14 @@
     </dgm:txFillClrLst>
     <dgm:txEffectClrLst/>
   </dgm:styleLbl>
-  <dgm:styleLbl name="parChTrans1D2">
+  <dgm:styleLbl name="parChTrans1D4">
     <dgm:fillClrLst meth="repeat">
-      <a:schemeClr val="accent3">
-        <a:tint val="90000"/>
+      <a:schemeClr val="accent6">
+        <a:tint val="50000"/>
       </a:schemeClr>
     </dgm:fillClrLst>
     <dgm:linClrLst meth="repeat">
       <a:schemeClr val="accent2"/>
-    </dgm:linClrLst>
-    <dgm:effectClrLst/>
-    <dgm:txLinClrLst/>
-    <dgm:txFillClrLst meth="repeat">
-      <a:schemeClr val="tx1"/>
-    </dgm:txFillClrLst>
-    <dgm:txEffectClrLst/>
-  </dgm:styleLbl>
-  <dgm:styleLbl name="parChTrans1D3">
-    <dgm:fillClrLst meth="repeat">
-      <a:schemeClr val="accent4">
-        <a:tint val="70000"/>
-      </a:schemeClr>
-    </dgm:fillClrLst>
-    <dgm:linClrLst meth="repeat">
-      <a:schemeClr val="accent3"/>
-    </dgm:linClrLst>
-    <dgm:effectClrLst/>
-    <dgm:txLinClrLst/>
-    <dgm:txFillClrLst meth="repeat">
-      <a:schemeClr val="tx1"/>
-    </dgm:txFillClrLst>
-    <dgm:txEffectClrLst/>
-  </dgm:styleLbl>
-  <dgm:styleLbl name="parChTrans1D4">
-    <dgm:fillClrLst meth="repeat">
-      <a:schemeClr val="accent5">
-        <a:tint val="50000"/>
-      </a:schemeClr>
-    </dgm:fillClrLst>
-    <dgm:linClrLst meth="repeat">
-      <a:schemeClr val="accent4"/>
     </dgm:linClrLst>
     <dgm:effectClrLst/>
     <dgm:txLinClrLst/>
@@ -616,10 +573,7 @@
         <a:alpha val="90000"/>
       </a:schemeClr>
     </dgm:fillClrLst>
-    <dgm:linClrLst meth="repeat">
-      <a:schemeClr val="accent2"/>
-      <a:schemeClr val="accent3"/>
-      <a:schemeClr val="accent4"/>
+    <dgm:linClrLst>
       <a:schemeClr val="accent5"/>
       <a:schemeClr val="accent6"/>
     </dgm:linClrLst>
@@ -636,10 +590,7 @@
         <a:alpha val="90000"/>
       </a:schemeClr>
     </dgm:fillClrLst>
-    <dgm:linClrLst meth="repeat">
-      <a:schemeClr val="accent2"/>
-      <a:schemeClr val="accent3"/>
-      <a:schemeClr val="accent4"/>
+    <dgm:linClrLst>
       <a:schemeClr val="accent5"/>
       <a:schemeClr val="accent6"/>
     </dgm:linClrLst>
@@ -656,10 +607,7 @@
         <a:alpha val="90000"/>
       </a:schemeClr>
     </dgm:fillClrLst>
-    <dgm:linClrLst meth="repeat">
-      <a:schemeClr val="accent2"/>
-      <a:schemeClr val="accent3"/>
-      <a:schemeClr val="accent4"/>
+    <dgm:linClrLst>
       <a:schemeClr val="accent5"/>
       <a:schemeClr val="accent6"/>
     </dgm:linClrLst>
@@ -677,7 +625,7 @@
       </a:schemeClr>
     </dgm:fillClrLst>
     <dgm:linClrLst meth="repeat">
-      <a:schemeClr val="accent1"/>
+      <a:schemeClr val="accent5"/>
     </dgm:linClrLst>
     <dgm:effectClrLst/>
     <dgm:txLinClrLst/>
@@ -692,10 +640,7 @@
         <a:alpha val="90000"/>
       </a:schemeClr>
     </dgm:fillClrLst>
-    <dgm:linClrLst meth="repeat">
-      <a:schemeClr val="accent2"/>
-      <a:schemeClr val="accent3"/>
-      <a:schemeClr val="accent4"/>
+    <dgm:linClrLst>
       <a:schemeClr val="accent5"/>
       <a:schemeClr val="accent6"/>
     </dgm:linClrLst>
@@ -710,10 +655,7 @@
     <dgm:fillClrLst meth="repeat">
       <a:schemeClr val="lt1"/>
     </dgm:fillClrLst>
-    <dgm:linClrLst meth="repeat">
-      <a:schemeClr val="accent2"/>
-      <a:schemeClr val="accent3"/>
-      <a:schemeClr val="accent4"/>
+    <dgm:linClrLst>
       <a:schemeClr val="accent5"/>
       <a:schemeClr val="accent6"/>
     </dgm:linClrLst>
@@ -728,10 +670,7 @@
     <dgm:fillClrLst meth="repeat">
       <a:schemeClr val="lt1"/>
     </dgm:fillClrLst>
-    <dgm:linClrLst meth="repeat">
-      <a:schemeClr val="accent2"/>
-      <a:schemeClr val="accent3"/>
-      <a:schemeClr val="accent4"/>
+    <dgm:linClrLst>
       <a:schemeClr val="accent5"/>
       <a:schemeClr val="accent6"/>
     </dgm:linClrLst>
@@ -746,10 +685,7 @@
     <dgm:fillClrLst meth="repeat">
       <a:schemeClr val="lt1"/>
     </dgm:fillClrLst>
-    <dgm:linClrLst meth="repeat">
-      <a:schemeClr val="accent2"/>
-      <a:schemeClr val="accent3"/>
-      <a:schemeClr val="accent4"/>
+    <dgm:linClrLst>
       <a:schemeClr val="accent5"/>
       <a:schemeClr val="accent6"/>
     </dgm:linClrLst>
@@ -761,19 +697,7 @@
     <dgm:txEffectClrLst/>
   </dgm:styleLbl>
   <dgm:styleLbl name="fgAccFollowNode1">
-    <dgm:fillClrLst meth="repeat">
-      <a:schemeClr val="accent2">
-        <a:tint val="40000"/>
-        <a:alpha val="90000"/>
-      </a:schemeClr>
-      <a:schemeClr val="accent3">
-        <a:tint val="40000"/>
-        <a:alpha val="90000"/>
-      </a:schemeClr>
-      <a:schemeClr val="accent4">
-        <a:tint val="40000"/>
-        <a:alpha val="90000"/>
-      </a:schemeClr>
+    <dgm:fillClrLst>
       <a:schemeClr val="accent5">
         <a:tint val="40000"/>
         <a:alpha val="90000"/>
@@ -783,24 +707,12 @@
         <a:alpha val="90000"/>
       </a:schemeClr>
     </dgm:fillClrLst>
-    <dgm:linClrLst meth="repeat">
-      <a:schemeClr val="accent2">
-        <a:tint val="40000"/>
-        <a:alpha val="90000"/>
-      </a:schemeClr>
-      <a:schemeClr val="accent3">
-        <a:tint val="40000"/>
-        <a:alpha val="90000"/>
-      </a:schemeClr>
-      <a:schemeClr val="accent4">
+    <dgm:linClrLst>
+      <a:schemeClr val="accent5">
         <a:tint val="40000"/>
         <a:alpha val="90000"/>
       </a:schemeClr>
       <a:schemeClr val="accent5">
-        <a:tint val="40000"/>
-        <a:alpha val="90000"/>
-      </a:schemeClr>
-      <a:schemeClr val="accent6">
         <a:tint val="40000"/>
         <a:alpha val="90000"/>
       </a:schemeClr>
@@ -813,19 +725,7 @@
     <dgm:txEffectClrLst/>
   </dgm:styleLbl>
   <dgm:styleLbl name="alignAccFollowNode1">
-    <dgm:fillClrLst meth="repeat">
-      <a:schemeClr val="accent2">
-        <a:tint val="40000"/>
-        <a:alpha val="90000"/>
-      </a:schemeClr>
-      <a:schemeClr val="accent3">
-        <a:tint val="40000"/>
-        <a:alpha val="90000"/>
-      </a:schemeClr>
-      <a:schemeClr val="accent4">
-        <a:tint val="40000"/>
-        <a:alpha val="90000"/>
-      </a:schemeClr>
+    <dgm:fillClrLst>
       <a:schemeClr val="accent5">
         <a:tint val="40000"/>
         <a:alpha val="90000"/>
@@ -835,19 +735,7 @@
         <a:alpha val="90000"/>
       </a:schemeClr>
     </dgm:fillClrLst>
-    <dgm:linClrLst meth="repeat">
-      <a:schemeClr val="accent2">
-        <a:tint val="40000"/>
-        <a:alpha val="90000"/>
-      </a:schemeClr>
-      <a:schemeClr val="accent3">
-        <a:tint val="40000"/>
-        <a:alpha val="90000"/>
-      </a:schemeClr>
-      <a:schemeClr val="accent4">
-        <a:tint val="40000"/>
-        <a:alpha val="90000"/>
-      </a:schemeClr>
+    <dgm:linClrLst>
       <a:schemeClr val="accent5">
         <a:tint val="40000"/>
         <a:alpha val="90000"/>
@@ -865,19 +753,7 @@
     <dgm:txEffectClrLst/>
   </dgm:styleLbl>
   <dgm:styleLbl name="bgAccFollowNode1">
-    <dgm:fillClrLst meth="repeat">
-      <a:schemeClr val="accent2">
-        <a:tint val="40000"/>
-        <a:alpha val="90000"/>
-      </a:schemeClr>
-      <a:schemeClr val="accent3">
-        <a:tint val="40000"/>
-        <a:alpha val="90000"/>
-      </a:schemeClr>
-      <a:schemeClr val="accent4">
-        <a:tint val="40000"/>
-        <a:alpha val="90000"/>
-      </a:schemeClr>
+    <dgm:fillClrLst>
       <a:schemeClr val="accent5">
         <a:tint val="40000"/>
         <a:alpha val="90000"/>
@@ -887,19 +763,7 @@
         <a:alpha val="90000"/>
       </a:schemeClr>
     </dgm:fillClrLst>
-    <dgm:linClrLst meth="repeat">
-      <a:schemeClr val="accent2">
-        <a:tint val="40000"/>
-        <a:alpha val="90000"/>
-      </a:schemeClr>
-      <a:schemeClr val="accent3">
-        <a:tint val="40000"/>
-        <a:alpha val="90000"/>
-      </a:schemeClr>
-      <a:schemeClr val="accent4">
-        <a:tint val="40000"/>
-        <a:alpha val="90000"/>
-      </a:schemeClr>
+    <dgm:linClrLst>
       <a:schemeClr val="accent5">
         <a:tint val="40000"/>
         <a:alpha val="90000"/>
@@ -923,7 +787,7 @@
       </a:schemeClr>
     </dgm:fillClrLst>
     <dgm:linClrLst>
-      <a:schemeClr val="accent1"/>
+      <a:schemeClr val="accent4"/>
     </dgm:linClrLst>
     <dgm:effectClrLst/>
     <dgm:txLinClrLst/>
@@ -939,7 +803,7 @@
       </a:schemeClr>
     </dgm:fillClrLst>
     <dgm:linClrLst>
-      <a:schemeClr val="accent2"/>
+      <a:schemeClr val="accent6"/>
     </dgm:linClrLst>
     <dgm:effectClrLst/>
     <dgm:txLinClrLst/>
@@ -955,7 +819,7 @@
       </a:schemeClr>
     </dgm:fillClrLst>
     <dgm:linClrLst>
-      <a:schemeClr val="accent3"/>
+      <a:schemeClr val="accent1"/>
     </dgm:linClrLst>
     <dgm:effectClrLst/>
     <dgm:txLinClrLst/>
@@ -971,7 +835,7 @@
       </a:schemeClr>
     </dgm:fillClrLst>
     <dgm:linClrLst>
-      <a:schemeClr val="accent4"/>
+      <a:schemeClr val="accent2"/>
     </dgm:linClrLst>
     <dgm:effectClrLst/>
     <dgm:txLinClrLst/>
@@ -982,7 +846,7 @@
   </dgm:styleLbl>
   <dgm:styleLbl name="bgShp">
     <dgm:fillClrLst meth="repeat">
-      <a:schemeClr val="accent2">
+      <a:schemeClr val="accent5">
         <a:tint val="40000"/>
       </a:schemeClr>
     </dgm:fillClrLst>
@@ -998,7 +862,7 @@
   </dgm:styleLbl>
   <dgm:styleLbl name="dkBgShp">
     <dgm:fillClrLst meth="repeat">
-      <a:schemeClr val="accent2">
+      <a:schemeClr val="accent5">
         <a:shade val="90000"/>
       </a:schemeClr>
     </dgm:fillClrLst>
@@ -1014,13 +878,13 @@
   </dgm:styleLbl>
   <dgm:styleLbl name="trBgShp">
     <dgm:fillClrLst meth="repeat">
-      <a:schemeClr val="accent1">
+      <a:schemeClr val="accent5">
         <a:tint val="50000"/>
         <a:alpha val="40000"/>
       </a:schemeClr>
     </dgm:fillClrLst>
     <dgm:linClrLst meth="repeat">
-      <a:schemeClr val="accent2"/>
+      <a:schemeClr val="accent5"/>
     </dgm:linClrLst>
     <dgm:effectClrLst/>
     <dgm:txLinClrLst/>
@@ -1031,7 +895,7 @@
   </dgm:styleLbl>
   <dgm:styleLbl name="fgShp">
     <dgm:fillClrLst meth="repeat">
-      <a:schemeClr val="accent2">
+      <a:schemeClr val="accent5">
         <a:tint val="40000"/>
       </a:schemeClr>
     </dgm:fillClrLst>
@@ -1070,7 +934,7 @@
 <dgm:dataModel xmlns:dgm="http://schemas.openxmlformats.org/drawingml/2006/diagram" xmlns:a="http://schemas.openxmlformats.org/drawingml/2006/main">
   <dgm:ptLst>
     <dgm:pt modelId="{E2303974-AFE6-4A14-B583-92EE62C0E0D3}" type="doc">
-      <dgm:prSet loTypeId="urn:microsoft.com/office/officeart/2008/layout/LinedList" loCatId="list" qsTypeId="urn:microsoft.com/office/officeart/2005/8/quickstyle/simple1" qsCatId="simple" csTypeId="urn:microsoft.com/office/officeart/2005/8/colors/colorful1" csCatId="colorful" phldr="1"/>
+      <dgm:prSet loTypeId="urn:microsoft.com/office/officeart/2008/layout/LinedList" loCatId="list" qsTypeId="urn:microsoft.com/office/officeart/2005/8/quickstyle/simple2" qsCatId="simple" csTypeId="urn:microsoft.com/office/officeart/2005/8/colors/colorful5" csCatId="colorful" phldr="1"/>
       <dgm:spPr/>
       <dgm:t>
         <a:bodyPr/>
@@ -1374,7 +1238,7 @@
         </a:p>
       </dgm:t>
     </dgm:pt>
-    <dgm:pt modelId="{6CA99280-9173-4272-8F6F-EBDA6441C7FB}" type="pres">
+    <dgm:pt modelId="{73C1D1E3-2F45-4A14-BFD8-174514637242}" type="pres">
       <dgm:prSet presAssocID="{E2303974-AFE6-4A14-B583-92EE62C0E0D3}" presName="vert0" presStyleCnt="0">
         <dgm:presLayoutVars>
           <dgm:dir/>
@@ -1384,228 +1248,228 @@
       </dgm:prSet>
       <dgm:spPr/>
     </dgm:pt>
-    <dgm:pt modelId="{F224DCDF-65CB-446C-AB84-5E09C0A83452}" type="pres">
+    <dgm:pt modelId="{F6555E25-7E7D-45E9-B9FB-F6A6F088C4BB}" type="pres">
       <dgm:prSet presAssocID="{FC6E9170-A8E9-4FD6-AFB2-3037D594942B}" presName="thickLine" presStyleLbl="alignNode1" presStyleIdx="0" presStyleCnt="1"/>
       <dgm:spPr/>
     </dgm:pt>
-    <dgm:pt modelId="{17D20385-49D6-4404-8C90-60B9F3FAAE9D}" type="pres">
+    <dgm:pt modelId="{650F8B51-D06A-42F3-BF09-A7D52892548C}" type="pres">
       <dgm:prSet presAssocID="{FC6E9170-A8E9-4FD6-AFB2-3037D594942B}" presName="horz1" presStyleCnt="0"/>
       <dgm:spPr/>
     </dgm:pt>
-    <dgm:pt modelId="{D61EA227-94AF-4619-805E-56F50ECD8D24}" type="pres">
+    <dgm:pt modelId="{5512D17E-EE61-4F61-BF6D-BF133F10C8A5}" type="pres">
       <dgm:prSet presAssocID="{FC6E9170-A8E9-4FD6-AFB2-3037D594942B}" presName="tx1" presStyleLbl="revTx" presStyleIdx="0" presStyleCnt="7"/>
       <dgm:spPr/>
     </dgm:pt>
-    <dgm:pt modelId="{F845ACB6-9522-4E27-8208-B51F6E220527}" type="pres">
+    <dgm:pt modelId="{11ED7CEE-1532-498E-ABC4-CB6B2A05DA37}" type="pres">
       <dgm:prSet presAssocID="{FC6E9170-A8E9-4FD6-AFB2-3037D594942B}" presName="vert1" presStyleCnt="0"/>
       <dgm:spPr/>
     </dgm:pt>
-    <dgm:pt modelId="{38D143D0-6E1F-4BA2-BE89-13EB338CEB62}" type="pres">
+    <dgm:pt modelId="{324C63BB-2545-4518-B9D7-ADC83C61F36C}" type="pres">
       <dgm:prSet presAssocID="{8AA85EC1-8825-4882-B970-BDC3652EFD7C}" presName="vertSpace2a" presStyleCnt="0"/>
       <dgm:spPr/>
     </dgm:pt>
-    <dgm:pt modelId="{F50458B4-41FF-436A-85E8-D24EAC7AA29C}" type="pres">
+    <dgm:pt modelId="{AB273F83-7E6C-4A08-B0A8-95F6D2DC8551}" type="pres">
       <dgm:prSet presAssocID="{8AA85EC1-8825-4882-B970-BDC3652EFD7C}" presName="horz2" presStyleCnt="0"/>
       <dgm:spPr/>
     </dgm:pt>
-    <dgm:pt modelId="{B20CD65F-4026-400E-9EC3-7E5742B34412}" type="pres">
+    <dgm:pt modelId="{9BCB58B8-82D3-4192-91CD-A9A16BF898D3}" type="pres">
       <dgm:prSet presAssocID="{8AA85EC1-8825-4882-B970-BDC3652EFD7C}" presName="horzSpace2" presStyleCnt="0"/>
       <dgm:spPr/>
     </dgm:pt>
-    <dgm:pt modelId="{5BB5F4FC-B12C-45FC-8934-4576B276829E}" type="pres">
+    <dgm:pt modelId="{D5434FC4-F44A-49E9-A7C3-65E7A4471BF2}" type="pres">
       <dgm:prSet presAssocID="{8AA85EC1-8825-4882-B970-BDC3652EFD7C}" presName="tx2" presStyleLbl="revTx" presStyleIdx="1" presStyleCnt="7"/>
       <dgm:spPr/>
     </dgm:pt>
-    <dgm:pt modelId="{1DB9A0CA-CEA8-4EC0-A693-E955A04531FB}" type="pres">
+    <dgm:pt modelId="{9A3648A7-1CF4-461A-83A8-EF414468ABBB}" type="pres">
       <dgm:prSet presAssocID="{8AA85EC1-8825-4882-B970-BDC3652EFD7C}" presName="vert2" presStyleCnt="0"/>
       <dgm:spPr/>
     </dgm:pt>
-    <dgm:pt modelId="{44CCB9B3-54AA-443C-B633-E9BE33772C30}" type="pres">
+    <dgm:pt modelId="{4DDC8676-7967-49A1-8C53-6F49687BEE3A}" type="pres">
       <dgm:prSet presAssocID="{8AA85EC1-8825-4882-B970-BDC3652EFD7C}" presName="thinLine2b" presStyleLbl="callout" presStyleIdx="0" presStyleCnt="6"/>
       <dgm:spPr/>
     </dgm:pt>
-    <dgm:pt modelId="{35F3503D-3036-423B-A965-C075D11860D8}" type="pres">
+    <dgm:pt modelId="{2366B8AA-E777-40DE-B2AC-CF378F96ACC7}" type="pres">
       <dgm:prSet presAssocID="{8AA85EC1-8825-4882-B970-BDC3652EFD7C}" presName="vertSpace2b" presStyleCnt="0"/>
       <dgm:spPr/>
     </dgm:pt>
-    <dgm:pt modelId="{CB637E04-68AF-4C2F-B281-49443043825A}" type="pres">
+    <dgm:pt modelId="{5EA96E25-3D77-43D2-966C-9923E8A519F4}" type="pres">
       <dgm:prSet presAssocID="{563F531B-42B4-4A58-AFC2-36FA1743BEF7}" presName="horz2" presStyleCnt="0"/>
       <dgm:spPr/>
     </dgm:pt>
-    <dgm:pt modelId="{46D41E09-AE6A-4A1D-A35D-2D2C3AD1A194}" type="pres">
+    <dgm:pt modelId="{14D68D0E-6025-42BA-83DA-77CD38003E6C}" type="pres">
       <dgm:prSet presAssocID="{563F531B-42B4-4A58-AFC2-36FA1743BEF7}" presName="horzSpace2" presStyleCnt="0"/>
       <dgm:spPr/>
     </dgm:pt>
-    <dgm:pt modelId="{BF04D186-5DD1-4A31-90BD-E78981EF6CBA}" type="pres">
+    <dgm:pt modelId="{00512740-AFC3-40B3-9D0B-BF1BF3601477}" type="pres">
       <dgm:prSet presAssocID="{563F531B-42B4-4A58-AFC2-36FA1743BEF7}" presName="tx2" presStyleLbl="revTx" presStyleIdx="2" presStyleCnt="7"/>
       <dgm:spPr/>
     </dgm:pt>
-    <dgm:pt modelId="{6A23936C-BE8E-4BE8-B0E0-EEF2B2224A99}" type="pres">
+    <dgm:pt modelId="{52F02642-6EC8-4FCF-BFB7-74FE9BAEC39F}" type="pres">
       <dgm:prSet presAssocID="{563F531B-42B4-4A58-AFC2-36FA1743BEF7}" presName="vert2" presStyleCnt="0"/>
       <dgm:spPr/>
     </dgm:pt>
-    <dgm:pt modelId="{D52B8333-250D-4A61-A6DC-264F00ED9519}" type="pres">
+    <dgm:pt modelId="{17A77E4C-C767-494A-A3C6-7BD2AB60AB25}" type="pres">
       <dgm:prSet presAssocID="{563F531B-42B4-4A58-AFC2-36FA1743BEF7}" presName="thinLine2b" presStyleLbl="callout" presStyleIdx="1" presStyleCnt="6"/>
       <dgm:spPr/>
     </dgm:pt>
-    <dgm:pt modelId="{29A23754-070B-4373-947B-B070F2B42184}" type="pres">
+    <dgm:pt modelId="{88F5E655-05DB-4828-BA75-A2FCD7130CB1}" type="pres">
       <dgm:prSet presAssocID="{563F531B-42B4-4A58-AFC2-36FA1743BEF7}" presName="vertSpace2b" presStyleCnt="0"/>
       <dgm:spPr/>
     </dgm:pt>
-    <dgm:pt modelId="{D16425EC-3DD9-4176-AFCC-D523F7A5B396}" type="pres">
+    <dgm:pt modelId="{17858AA0-098B-4AC8-8D0F-762C0F003FE5}" type="pres">
       <dgm:prSet presAssocID="{EF028D43-4C7B-489A-B284-00D4BE274B0E}" presName="horz2" presStyleCnt="0"/>
       <dgm:spPr/>
     </dgm:pt>
-    <dgm:pt modelId="{78764CE6-EDCB-40F0-8AF6-49C68877A889}" type="pres">
+    <dgm:pt modelId="{C9995B08-CF18-4DEE-AA8F-BEAE16FDBB02}" type="pres">
       <dgm:prSet presAssocID="{EF028D43-4C7B-489A-B284-00D4BE274B0E}" presName="horzSpace2" presStyleCnt="0"/>
       <dgm:spPr/>
     </dgm:pt>
-    <dgm:pt modelId="{366355B0-BBDD-4084-A520-0B5EC5A240EC}" type="pres">
+    <dgm:pt modelId="{65A28D6A-5E26-40D3-A507-76856DE820CD}" type="pres">
       <dgm:prSet presAssocID="{EF028D43-4C7B-489A-B284-00D4BE274B0E}" presName="tx2" presStyleLbl="revTx" presStyleIdx="3" presStyleCnt="7"/>
       <dgm:spPr/>
     </dgm:pt>
-    <dgm:pt modelId="{62CED12C-5341-4DCA-BB33-7819C8B2A0DC}" type="pres">
+    <dgm:pt modelId="{88BD255F-724F-4F44-BC2D-48016D6E1E2D}" type="pres">
       <dgm:prSet presAssocID="{EF028D43-4C7B-489A-B284-00D4BE274B0E}" presName="vert2" presStyleCnt="0"/>
       <dgm:spPr/>
     </dgm:pt>
-    <dgm:pt modelId="{5592EB7D-ACD6-4E32-BF54-C89B8D2DE448}" type="pres">
+    <dgm:pt modelId="{030139B6-C235-499B-A421-0EAC948572B7}" type="pres">
       <dgm:prSet presAssocID="{EF028D43-4C7B-489A-B284-00D4BE274B0E}" presName="thinLine2b" presStyleLbl="callout" presStyleIdx="2" presStyleCnt="6"/>
       <dgm:spPr/>
     </dgm:pt>
-    <dgm:pt modelId="{90944D00-4BEE-42CE-9A37-3A0251B669C0}" type="pres">
+    <dgm:pt modelId="{FF14AA49-4F16-42A8-92BD-C98E70BEDB2A}" type="pres">
       <dgm:prSet presAssocID="{EF028D43-4C7B-489A-B284-00D4BE274B0E}" presName="vertSpace2b" presStyleCnt="0"/>
       <dgm:spPr/>
     </dgm:pt>
-    <dgm:pt modelId="{0B13A1A8-C5BB-4CC0-AE5C-B3BBC00A85CF}" type="pres">
+    <dgm:pt modelId="{D838746B-BCCA-473D-B50F-EE97A3179ABA}" type="pres">
       <dgm:prSet presAssocID="{FBFD10CB-E093-4D62-A00D-B53F0C343AFE}" presName="horz2" presStyleCnt="0"/>
       <dgm:spPr/>
     </dgm:pt>
-    <dgm:pt modelId="{F013F6F0-FDE2-48ED-954A-3780DCBA1D33}" type="pres">
+    <dgm:pt modelId="{9BC02494-62DF-47AF-9A35-3512BF00F722}" type="pres">
       <dgm:prSet presAssocID="{FBFD10CB-E093-4D62-A00D-B53F0C343AFE}" presName="horzSpace2" presStyleCnt="0"/>
       <dgm:spPr/>
     </dgm:pt>
-    <dgm:pt modelId="{3110DBAF-A473-4F01-8921-6A610D53F165}" type="pres">
+    <dgm:pt modelId="{207A74F1-B6CA-4C1D-B82C-9363D4E6000B}" type="pres">
       <dgm:prSet presAssocID="{FBFD10CB-E093-4D62-A00D-B53F0C343AFE}" presName="tx2" presStyleLbl="revTx" presStyleIdx="4" presStyleCnt="7"/>
       <dgm:spPr/>
     </dgm:pt>
-    <dgm:pt modelId="{519C7294-1825-4AC9-A9F2-B7D0009FC49D}" type="pres">
+    <dgm:pt modelId="{2E83E4A5-45E5-4AFF-8681-C90B0208EF4F}" type="pres">
       <dgm:prSet presAssocID="{FBFD10CB-E093-4D62-A00D-B53F0C343AFE}" presName="vert2" presStyleCnt="0"/>
       <dgm:spPr/>
     </dgm:pt>
-    <dgm:pt modelId="{6500F193-99E2-4B63-BBD8-EDA39F904D19}" type="pres">
+    <dgm:pt modelId="{D40E36F4-94E0-4962-92D0-66C582BD7BB9}" type="pres">
       <dgm:prSet presAssocID="{FBFD10CB-E093-4D62-A00D-B53F0C343AFE}" presName="thinLine2b" presStyleLbl="callout" presStyleIdx="3" presStyleCnt="6"/>
       <dgm:spPr/>
     </dgm:pt>
-    <dgm:pt modelId="{D04E3020-5A44-487B-B6DD-6CD373D096F0}" type="pres">
+    <dgm:pt modelId="{6E435154-25B6-47F5-B6A1-EBAD9FD0D024}" type="pres">
       <dgm:prSet presAssocID="{FBFD10CB-E093-4D62-A00D-B53F0C343AFE}" presName="vertSpace2b" presStyleCnt="0"/>
       <dgm:spPr/>
     </dgm:pt>
-    <dgm:pt modelId="{5369CE80-15FB-4518-916B-934CC03035D4}" type="pres">
+    <dgm:pt modelId="{23EF4F96-B00A-4A61-BD4C-C76DB966200C}" type="pres">
       <dgm:prSet presAssocID="{E094DCFF-C76D-4E16-8951-DB78B20097A0}" presName="horz2" presStyleCnt="0"/>
       <dgm:spPr/>
     </dgm:pt>
-    <dgm:pt modelId="{1725AF8C-0D6A-42BC-874D-226BEEE2CBD2}" type="pres">
+    <dgm:pt modelId="{488FB69C-CFEE-4D21-94F3-695FA283F863}" type="pres">
       <dgm:prSet presAssocID="{E094DCFF-C76D-4E16-8951-DB78B20097A0}" presName="horzSpace2" presStyleCnt="0"/>
       <dgm:spPr/>
     </dgm:pt>
-    <dgm:pt modelId="{F8255A2B-E124-4BBC-8FF3-2ED7676FD0F2}" type="pres">
+    <dgm:pt modelId="{969E3E83-BBD9-40B5-878F-3A6D351DBEEB}" type="pres">
       <dgm:prSet presAssocID="{E094DCFF-C76D-4E16-8951-DB78B20097A0}" presName="tx2" presStyleLbl="revTx" presStyleIdx="5" presStyleCnt="7"/>
       <dgm:spPr/>
     </dgm:pt>
-    <dgm:pt modelId="{C80843DD-AA1F-4096-BC06-76E2F3A41C73}" type="pres">
+    <dgm:pt modelId="{C62C46EE-D3CB-4C25-AC5F-4DA1893C63DA}" type="pres">
       <dgm:prSet presAssocID="{E094DCFF-C76D-4E16-8951-DB78B20097A0}" presName="vert2" presStyleCnt="0"/>
       <dgm:spPr/>
     </dgm:pt>
-    <dgm:pt modelId="{69F58639-BD44-41C2-A8EA-E5AE18BC6B2F}" type="pres">
+    <dgm:pt modelId="{5B63DC0C-6E11-45C7-AEF0-22B7276AA2E6}" type="pres">
       <dgm:prSet presAssocID="{E094DCFF-C76D-4E16-8951-DB78B20097A0}" presName="thinLine2b" presStyleLbl="callout" presStyleIdx="4" presStyleCnt="6"/>
       <dgm:spPr/>
     </dgm:pt>
-    <dgm:pt modelId="{29FA1B4A-394A-40D8-8561-90EB9EEBE8B0}" type="pres">
+    <dgm:pt modelId="{0EFBB7DC-4C85-4CE1-B1B0-E75F6981A150}" type="pres">
       <dgm:prSet presAssocID="{E094DCFF-C76D-4E16-8951-DB78B20097A0}" presName="vertSpace2b" presStyleCnt="0"/>
       <dgm:spPr/>
     </dgm:pt>
-    <dgm:pt modelId="{0C81E93B-474C-42AB-AA4C-020FC445ED82}" type="pres">
+    <dgm:pt modelId="{23694D14-EE40-45FD-B35F-2431A46419D1}" type="pres">
       <dgm:prSet presAssocID="{8FCDF07F-38BD-4FCA-8034-919B7A56D24B}" presName="horz2" presStyleCnt="0"/>
       <dgm:spPr/>
     </dgm:pt>
-    <dgm:pt modelId="{FED8EC1F-0258-4BB9-9BAC-BC4456D039DD}" type="pres">
+    <dgm:pt modelId="{7A310EF0-97CF-4804-9C64-3F139623A59F}" type="pres">
       <dgm:prSet presAssocID="{8FCDF07F-38BD-4FCA-8034-919B7A56D24B}" presName="horzSpace2" presStyleCnt="0"/>
       <dgm:spPr/>
     </dgm:pt>
-    <dgm:pt modelId="{82A25FBC-8DEC-4C39-A4DD-5A726D4BC982}" type="pres">
+    <dgm:pt modelId="{13955F71-B63D-4408-BC2E-B44678948361}" type="pres">
       <dgm:prSet presAssocID="{8FCDF07F-38BD-4FCA-8034-919B7A56D24B}" presName="tx2" presStyleLbl="revTx" presStyleIdx="6" presStyleCnt="7"/>
       <dgm:spPr/>
     </dgm:pt>
-    <dgm:pt modelId="{BEC82B28-CB17-414D-A051-75978427AB6A}" type="pres">
+    <dgm:pt modelId="{07DD3121-7CAB-44E1-8B13-B90016E0882D}" type="pres">
       <dgm:prSet presAssocID="{8FCDF07F-38BD-4FCA-8034-919B7A56D24B}" presName="vert2" presStyleCnt="0"/>
       <dgm:spPr/>
     </dgm:pt>
-    <dgm:pt modelId="{56FC35ED-12D6-4367-971C-6926788F3F43}" type="pres">
+    <dgm:pt modelId="{CD69B33B-787F-48B0-B867-F1CE31E872E8}" type="pres">
       <dgm:prSet presAssocID="{8FCDF07F-38BD-4FCA-8034-919B7A56D24B}" presName="thinLine2b" presStyleLbl="callout" presStyleIdx="5" presStyleCnt="6"/>
       <dgm:spPr/>
     </dgm:pt>
-    <dgm:pt modelId="{8D782968-58F6-4BDC-99A9-6E92D8375264}" type="pres">
+    <dgm:pt modelId="{E4F9F60C-CF50-438C-9CA7-A59A124E1A32}" type="pres">
       <dgm:prSet presAssocID="{8FCDF07F-38BD-4FCA-8034-919B7A56D24B}" presName="vertSpace2b" presStyleCnt="0"/>
       <dgm:spPr/>
     </dgm:pt>
   </dgm:ptLst>
   <dgm:cxnLst>
-    <dgm:cxn modelId="{A8A1B019-8C90-40F0-8FED-39179722ACDC}" type="presOf" srcId="{FC6E9170-A8E9-4FD6-AFB2-3037D594942B}" destId="{D61EA227-94AF-4619-805E-56F50ECD8D24}" srcOrd="0" destOrd="0" presId="urn:microsoft.com/office/officeart/2008/layout/LinedList"/>
-    <dgm:cxn modelId="{DC4C5A63-8CA2-429D-9D41-072F1AFB92E4}" type="presOf" srcId="{563F531B-42B4-4A58-AFC2-36FA1743BEF7}" destId="{BF04D186-5DD1-4A31-90BD-E78981EF6CBA}" srcOrd="0" destOrd="0" presId="urn:microsoft.com/office/officeart/2008/layout/LinedList"/>
-    <dgm:cxn modelId="{91C53B48-5C28-4B0A-B171-DCFA529EEBD4}" type="presOf" srcId="{8AA85EC1-8825-4882-B970-BDC3652EFD7C}" destId="{5BB5F4FC-B12C-45FC-8934-4576B276829E}" srcOrd="0" destOrd="0" presId="urn:microsoft.com/office/officeart/2008/layout/LinedList"/>
-    <dgm:cxn modelId="{9721CE4E-0E80-43C6-BF22-4091FE9AECAF}" type="presOf" srcId="{E094DCFF-C76D-4E16-8951-DB78B20097A0}" destId="{F8255A2B-E124-4BBC-8FF3-2ED7676FD0F2}" srcOrd="0" destOrd="0" presId="urn:microsoft.com/office/officeart/2008/layout/LinedList"/>
-    <dgm:cxn modelId="{6CCC1F54-A20D-445D-AFEA-C14C0BAC73F5}" type="presOf" srcId="{EF028D43-4C7B-489A-B284-00D4BE274B0E}" destId="{366355B0-BBDD-4084-A520-0B5EC5A240EC}" srcOrd="0" destOrd="0" presId="urn:microsoft.com/office/officeart/2008/layout/LinedList"/>
+    <dgm:cxn modelId="{9ABA8F05-E4FC-4A83-BC36-C95EF115233E}" type="presOf" srcId="{E2303974-AFE6-4A14-B583-92EE62C0E0D3}" destId="{73C1D1E3-2F45-4A14-BFD8-174514637242}" srcOrd="0" destOrd="0" presId="urn:microsoft.com/office/officeart/2008/layout/LinedList"/>
+    <dgm:cxn modelId="{C9698410-D384-4F36-9B04-59F30792D7DB}" type="presOf" srcId="{EF028D43-4C7B-489A-B284-00D4BE274B0E}" destId="{65A28D6A-5E26-40D3-A507-76856DE820CD}" srcOrd="0" destOrd="0" presId="urn:microsoft.com/office/officeart/2008/layout/LinedList"/>
+    <dgm:cxn modelId="{FBB6981D-D854-4AC2-88A3-68320576DD7A}" type="presOf" srcId="{8FCDF07F-38BD-4FCA-8034-919B7A56D24B}" destId="{13955F71-B63D-4408-BC2E-B44678948361}" srcOrd="0" destOrd="0" presId="urn:microsoft.com/office/officeart/2008/layout/LinedList"/>
+    <dgm:cxn modelId="{6F70883D-EBE6-4B57-8FB2-990261426A15}" type="presOf" srcId="{E094DCFF-C76D-4E16-8951-DB78B20097A0}" destId="{969E3E83-BBD9-40B5-878F-3A6D351DBEEB}" srcOrd="0" destOrd="0" presId="urn:microsoft.com/office/officeart/2008/layout/LinedList"/>
+    <dgm:cxn modelId="{0698FD6A-D27E-4E15-951F-298146AB131B}" type="presOf" srcId="{FBFD10CB-E093-4D62-A00D-B53F0C343AFE}" destId="{207A74F1-B6CA-4C1D-B82C-9363D4E6000B}" srcOrd="0" destOrd="0" presId="urn:microsoft.com/office/officeart/2008/layout/LinedList"/>
+    <dgm:cxn modelId="{51E10871-7CCD-4B78-9C04-51A2FA286A72}" type="presOf" srcId="{FC6E9170-A8E9-4FD6-AFB2-3037D594942B}" destId="{5512D17E-EE61-4F61-BF6D-BF133F10C8A5}" srcOrd="0" destOrd="0" presId="urn:microsoft.com/office/officeart/2008/layout/LinedList"/>
     <dgm:cxn modelId="{DD607878-FBEA-4AD5-AB89-DA7119AFCD50}" srcId="{FC6E9170-A8E9-4FD6-AFB2-3037D594942B}" destId="{FBFD10CB-E093-4D62-A00D-B53F0C343AFE}" srcOrd="3" destOrd="0" parTransId="{2087039F-4621-4294-A93A-537F512155F8}" sibTransId="{EA0F2676-4689-41AA-B7E0-A0866D83DF13}"/>
     <dgm:cxn modelId="{EE209879-9B53-40AE-80A3-7B5335576DC4}" srcId="{FC6E9170-A8E9-4FD6-AFB2-3037D594942B}" destId="{EF028D43-4C7B-489A-B284-00D4BE274B0E}" srcOrd="2" destOrd="0" parTransId="{EEA2CC78-2B95-4AB7-80E7-9C0ABB97B974}" sibTransId="{3EBCE658-33C3-49C4-92B9-2D9305264380}"/>
     <dgm:cxn modelId="{9BE3B159-95EA-40F3-A8C2-4F48226272DB}" srcId="{FC6E9170-A8E9-4FD6-AFB2-3037D594942B}" destId="{563F531B-42B4-4A58-AFC2-36FA1743BEF7}" srcOrd="1" destOrd="0" parTransId="{5820E889-6154-4A6D-BBDF-7E71C4997B5F}" sibTransId="{70D00238-7E6B-4719-8CC8-AB0114514DC0}"/>
-    <dgm:cxn modelId="{A27F467F-829F-463C-A9B2-19A2AA58054A}" type="presOf" srcId="{8FCDF07F-38BD-4FCA-8034-919B7A56D24B}" destId="{82A25FBC-8DEC-4C39-A4DD-5A726D4BC982}" srcOrd="0" destOrd="0" presId="urn:microsoft.com/office/officeart/2008/layout/LinedList"/>
     <dgm:cxn modelId="{CE1FFA88-41FD-41B0-9EE1-23B08B79786B}" srcId="{FC6E9170-A8E9-4FD6-AFB2-3037D594942B}" destId="{8FCDF07F-38BD-4FCA-8034-919B7A56D24B}" srcOrd="5" destOrd="0" parTransId="{C3D038F7-163E-46AF-AA73-DF57F9B58863}" sibTransId="{B0336CAA-6AE7-4E76-8FE4-C2F8C4C3927E}"/>
-    <dgm:cxn modelId="{A1E34BB1-4D4F-4021-A80B-5551E4074C16}" type="presOf" srcId="{FBFD10CB-E093-4D62-A00D-B53F0C343AFE}" destId="{3110DBAF-A473-4F01-8921-6A610D53F165}" srcOrd="0" destOrd="0" presId="urn:microsoft.com/office/officeart/2008/layout/LinedList"/>
+    <dgm:cxn modelId="{74CB1AB0-B7E8-4397-8155-FCA973F641E1}" type="presOf" srcId="{8AA85EC1-8825-4882-B970-BDC3652EFD7C}" destId="{D5434FC4-F44A-49E9-A7C3-65E7A4471BF2}" srcOrd="0" destOrd="0" presId="urn:microsoft.com/office/officeart/2008/layout/LinedList"/>
     <dgm:cxn modelId="{33D8C6B6-DA0C-4705-9847-FC4079EDBD14}" srcId="{E2303974-AFE6-4A14-B583-92EE62C0E0D3}" destId="{FC6E9170-A8E9-4FD6-AFB2-3037D594942B}" srcOrd="0" destOrd="0" parTransId="{FA460F2E-6293-4AAD-81FB-AB0A59EDBD9A}" sibTransId="{6CBA58FA-C3DC-4C79-B835-C2F76453E6F6}"/>
-    <dgm:cxn modelId="{B88B39CD-1EB2-4E84-9669-A6E80627551D}" type="presOf" srcId="{E2303974-AFE6-4A14-B583-92EE62C0E0D3}" destId="{6CA99280-9173-4272-8F6F-EBDA6441C7FB}" srcOrd="0" destOrd="0" presId="urn:microsoft.com/office/officeart/2008/layout/LinedList"/>
     <dgm:cxn modelId="{C44895CE-E3F7-4FF4-8CB8-190879BEAC5A}" srcId="{FC6E9170-A8E9-4FD6-AFB2-3037D594942B}" destId="{E094DCFF-C76D-4E16-8951-DB78B20097A0}" srcOrd="4" destOrd="0" parTransId="{106EC7FE-D51B-45F9-BCAF-DA667681A567}" sibTransId="{C86EAED3-2741-47BD-BC72-BFA5D99FF741}"/>
     <dgm:cxn modelId="{D84179D3-8C59-4673-8A1C-DBB2B31F396F}" srcId="{FC6E9170-A8E9-4FD6-AFB2-3037D594942B}" destId="{8AA85EC1-8825-4882-B970-BDC3652EFD7C}" srcOrd="0" destOrd="0" parTransId="{707A27CA-2067-4D29-B6AB-4B7581A08426}" sibTransId="{49865CD4-C445-44F6-9EDF-6356CF416633}"/>
-    <dgm:cxn modelId="{025566C3-4835-4AB1-9FAE-8E2EA87C76D3}" type="presParOf" srcId="{6CA99280-9173-4272-8F6F-EBDA6441C7FB}" destId="{F224DCDF-65CB-446C-AB84-5E09C0A83452}" srcOrd="0" destOrd="0" presId="urn:microsoft.com/office/officeart/2008/layout/LinedList"/>
-    <dgm:cxn modelId="{B88C7A58-0A92-4565-82ED-C606385164E6}" type="presParOf" srcId="{6CA99280-9173-4272-8F6F-EBDA6441C7FB}" destId="{17D20385-49D6-4404-8C90-60B9F3FAAE9D}" srcOrd="1" destOrd="0" presId="urn:microsoft.com/office/officeart/2008/layout/LinedList"/>
-    <dgm:cxn modelId="{E73EB235-8CEE-4A12-9CBB-764927731E40}" type="presParOf" srcId="{17D20385-49D6-4404-8C90-60B9F3FAAE9D}" destId="{D61EA227-94AF-4619-805E-56F50ECD8D24}" srcOrd="0" destOrd="0" presId="urn:microsoft.com/office/officeart/2008/layout/LinedList"/>
-    <dgm:cxn modelId="{08AE0435-2F2C-4368-9CC8-0E49DC08DFDD}" type="presParOf" srcId="{17D20385-49D6-4404-8C90-60B9F3FAAE9D}" destId="{F845ACB6-9522-4E27-8208-B51F6E220527}" srcOrd="1" destOrd="0" presId="urn:microsoft.com/office/officeart/2008/layout/LinedList"/>
-    <dgm:cxn modelId="{13FD05C9-54A9-4B79-97B8-60795639F5E5}" type="presParOf" srcId="{F845ACB6-9522-4E27-8208-B51F6E220527}" destId="{38D143D0-6E1F-4BA2-BE89-13EB338CEB62}" srcOrd="0" destOrd="0" presId="urn:microsoft.com/office/officeart/2008/layout/LinedList"/>
-    <dgm:cxn modelId="{1B1F2F25-F246-4C0F-B104-2B196695EC7D}" type="presParOf" srcId="{F845ACB6-9522-4E27-8208-B51F6E220527}" destId="{F50458B4-41FF-436A-85E8-D24EAC7AA29C}" srcOrd="1" destOrd="0" presId="urn:microsoft.com/office/officeart/2008/layout/LinedList"/>
-    <dgm:cxn modelId="{C4CAC349-A196-4484-8A61-11A5175D06E7}" type="presParOf" srcId="{F50458B4-41FF-436A-85E8-D24EAC7AA29C}" destId="{B20CD65F-4026-400E-9EC3-7E5742B34412}" srcOrd="0" destOrd="0" presId="urn:microsoft.com/office/officeart/2008/layout/LinedList"/>
-    <dgm:cxn modelId="{67F5EBF6-25E3-4CB0-B074-BE8EAC42F89B}" type="presParOf" srcId="{F50458B4-41FF-436A-85E8-D24EAC7AA29C}" destId="{5BB5F4FC-B12C-45FC-8934-4576B276829E}" srcOrd="1" destOrd="0" presId="urn:microsoft.com/office/officeart/2008/layout/LinedList"/>
-    <dgm:cxn modelId="{0300AD52-9894-4D06-879C-8B30CDE931F4}" type="presParOf" srcId="{F50458B4-41FF-436A-85E8-D24EAC7AA29C}" destId="{1DB9A0CA-CEA8-4EC0-A693-E955A04531FB}" srcOrd="2" destOrd="0" presId="urn:microsoft.com/office/officeart/2008/layout/LinedList"/>
-    <dgm:cxn modelId="{F55A07B9-DE5A-4DD9-936E-1FB298DF0155}" type="presParOf" srcId="{F845ACB6-9522-4E27-8208-B51F6E220527}" destId="{44CCB9B3-54AA-443C-B633-E9BE33772C30}" srcOrd="2" destOrd="0" presId="urn:microsoft.com/office/officeart/2008/layout/LinedList"/>
-    <dgm:cxn modelId="{AD2300E1-306A-41C8-B5DD-981EF736DDD9}" type="presParOf" srcId="{F845ACB6-9522-4E27-8208-B51F6E220527}" destId="{35F3503D-3036-423B-A965-C075D11860D8}" srcOrd="3" destOrd="0" presId="urn:microsoft.com/office/officeart/2008/layout/LinedList"/>
-    <dgm:cxn modelId="{55F8AA5A-A283-4B25-A7D3-D1CD3B3CFAB5}" type="presParOf" srcId="{F845ACB6-9522-4E27-8208-B51F6E220527}" destId="{CB637E04-68AF-4C2F-B281-49443043825A}" srcOrd="4" destOrd="0" presId="urn:microsoft.com/office/officeart/2008/layout/LinedList"/>
-    <dgm:cxn modelId="{EA698CAF-76B9-409D-91AC-C04AD6F04EAC}" type="presParOf" srcId="{CB637E04-68AF-4C2F-B281-49443043825A}" destId="{46D41E09-AE6A-4A1D-A35D-2D2C3AD1A194}" srcOrd="0" destOrd="0" presId="urn:microsoft.com/office/officeart/2008/layout/LinedList"/>
-    <dgm:cxn modelId="{23FA98A5-6D54-4C26-819D-27063AF4E30C}" type="presParOf" srcId="{CB637E04-68AF-4C2F-B281-49443043825A}" destId="{BF04D186-5DD1-4A31-90BD-E78981EF6CBA}" srcOrd="1" destOrd="0" presId="urn:microsoft.com/office/officeart/2008/layout/LinedList"/>
-    <dgm:cxn modelId="{2893580B-60B6-4039-A747-41D2932F8C6B}" type="presParOf" srcId="{CB637E04-68AF-4C2F-B281-49443043825A}" destId="{6A23936C-BE8E-4BE8-B0E0-EEF2B2224A99}" srcOrd="2" destOrd="0" presId="urn:microsoft.com/office/officeart/2008/layout/LinedList"/>
-    <dgm:cxn modelId="{4916C0A8-DABC-44D6-BC19-576971856968}" type="presParOf" srcId="{F845ACB6-9522-4E27-8208-B51F6E220527}" destId="{D52B8333-250D-4A61-A6DC-264F00ED9519}" srcOrd="5" destOrd="0" presId="urn:microsoft.com/office/officeart/2008/layout/LinedList"/>
-    <dgm:cxn modelId="{F02ECFD2-1B7E-4157-9586-572B4544964B}" type="presParOf" srcId="{F845ACB6-9522-4E27-8208-B51F6E220527}" destId="{29A23754-070B-4373-947B-B070F2B42184}" srcOrd="6" destOrd="0" presId="urn:microsoft.com/office/officeart/2008/layout/LinedList"/>
-    <dgm:cxn modelId="{E528F039-F509-44FB-A579-40398C5F85B6}" type="presParOf" srcId="{F845ACB6-9522-4E27-8208-B51F6E220527}" destId="{D16425EC-3DD9-4176-AFCC-D523F7A5B396}" srcOrd="7" destOrd="0" presId="urn:microsoft.com/office/officeart/2008/layout/LinedList"/>
-    <dgm:cxn modelId="{2E28B14F-F505-4C16-AA42-67FC42C97EFC}" type="presParOf" srcId="{D16425EC-3DD9-4176-AFCC-D523F7A5B396}" destId="{78764CE6-EDCB-40F0-8AF6-49C68877A889}" srcOrd="0" destOrd="0" presId="urn:microsoft.com/office/officeart/2008/layout/LinedList"/>
-    <dgm:cxn modelId="{F6CF8586-FB77-4909-8364-F9DC8CC4FC84}" type="presParOf" srcId="{D16425EC-3DD9-4176-AFCC-D523F7A5B396}" destId="{366355B0-BBDD-4084-A520-0B5EC5A240EC}" srcOrd="1" destOrd="0" presId="urn:microsoft.com/office/officeart/2008/layout/LinedList"/>
-    <dgm:cxn modelId="{71FAC5ED-677E-4835-86A1-AEF2043B5D7F}" type="presParOf" srcId="{D16425EC-3DD9-4176-AFCC-D523F7A5B396}" destId="{62CED12C-5341-4DCA-BB33-7819C8B2A0DC}" srcOrd="2" destOrd="0" presId="urn:microsoft.com/office/officeart/2008/layout/LinedList"/>
-    <dgm:cxn modelId="{37FD373E-5CBD-4F53-B7EA-5FF1AE0318AD}" type="presParOf" srcId="{F845ACB6-9522-4E27-8208-B51F6E220527}" destId="{5592EB7D-ACD6-4E32-BF54-C89B8D2DE448}" srcOrd="8" destOrd="0" presId="urn:microsoft.com/office/officeart/2008/layout/LinedList"/>
-    <dgm:cxn modelId="{0B5B59EE-4B3B-4BFE-BE0B-59D0321D7B79}" type="presParOf" srcId="{F845ACB6-9522-4E27-8208-B51F6E220527}" destId="{90944D00-4BEE-42CE-9A37-3A0251B669C0}" srcOrd="9" destOrd="0" presId="urn:microsoft.com/office/officeart/2008/layout/LinedList"/>
-    <dgm:cxn modelId="{6F0A67E5-0A38-4B42-9A08-588C7A94CC41}" type="presParOf" srcId="{F845ACB6-9522-4E27-8208-B51F6E220527}" destId="{0B13A1A8-C5BB-4CC0-AE5C-B3BBC00A85CF}" srcOrd="10" destOrd="0" presId="urn:microsoft.com/office/officeart/2008/layout/LinedList"/>
-    <dgm:cxn modelId="{22AD9FEA-340F-4163-8758-40F8707731CF}" type="presParOf" srcId="{0B13A1A8-C5BB-4CC0-AE5C-B3BBC00A85CF}" destId="{F013F6F0-FDE2-48ED-954A-3780DCBA1D33}" srcOrd="0" destOrd="0" presId="urn:microsoft.com/office/officeart/2008/layout/LinedList"/>
-    <dgm:cxn modelId="{A38FE561-901E-42F2-98B4-AD4B142F022A}" type="presParOf" srcId="{0B13A1A8-C5BB-4CC0-AE5C-B3BBC00A85CF}" destId="{3110DBAF-A473-4F01-8921-6A610D53F165}" srcOrd="1" destOrd="0" presId="urn:microsoft.com/office/officeart/2008/layout/LinedList"/>
-    <dgm:cxn modelId="{65D62421-152D-46E5-9818-8BDDB6897434}" type="presParOf" srcId="{0B13A1A8-C5BB-4CC0-AE5C-B3BBC00A85CF}" destId="{519C7294-1825-4AC9-A9F2-B7D0009FC49D}" srcOrd="2" destOrd="0" presId="urn:microsoft.com/office/officeart/2008/layout/LinedList"/>
-    <dgm:cxn modelId="{6A30C8EA-B056-486C-AAD3-396411BC1852}" type="presParOf" srcId="{F845ACB6-9522-4E27-8208-B51F6E220527}" destId="{6500F193-99E2-4B63-BBD8-EDA39F904D19}" srcOrd="11" destOrd="0" presId="urn:microsoft.com/office/officeart/2008/layout/LinedList"/>
-    <dgm:cxn modelId="{B3215A97-9B26-4068-BA3B-231CB70DEC66}" type="presParOf" srcId="{F845ACB6-9522-4E27-8208-B51F6E220527}" destId="{D04E3020-5A44-487B-B6DD-6CD373D096F0}" srcOrd="12" destOrd="0" presId="urn:microsoft.com/office/officeart/2008/layout/LinedList"/>
-    <dgm:cxn modelId="{A11F79E3-B707-4D1A-B55F-7E40BFBE0664}" type="presParOf" srcId="{F845ACB6-9522-4E27-8208-B51F6E220527}" destId="{5369CE80-15FB-4518-916B-934CC03035D4}" srcOrd="13" destOrd="0" presId="urn:microsoft.com/office/officeart/2008/layout/LinedList"/>
-    <dgm:cxn modelId="{3E478B3E-78B7-418B-8F67-B4358F292D34}" type="presParOf" srcId="{5369CE80-15FB-4518-916B-934CC03035D4}" destId="{1725AF8C-0D6A-42BC-874D-226BEEE2CBD2}" srcOrd="0" destOrd="0" presId="urn:microsoft.com/office/officeart/2008/layout/LinedList"/>
-    <dgm:cxn modelId="{9C140CF6-B07D-4251-8F6F-5DA3EEC0CA22}" type="presParOf" srcId="{5369CE80-15FB-4518-916B-934CC03035D4}" destId="{F8255A2B-E124-4BBC-8FF3-2ED7676FD0F2}" srcOrd="1" destOrd="0" presId="urn:microsoft.com/office/officeart/2008/layout/LinedList"/>
-    <dgm:cxn modelId="{D92A6C8B-CDE5-4022-ABC2-6B3E4E8134FA}" type="presParOf" srcId="{5369CE80-15FB-4518-916B-934CC03035D4}" destId="{C80843DD-AA1F-4096-BC06-76E2F3A41C73}" srcOrd="2" destOrd="0" presId="urn:microsoft.com/office/officeart/2008/layout/LinedList"/>
-    <dgm:cxn modelId="{F7ED104E-E2B0-4627-9AB8-CC46C1362BA0}" type="presParOf" srcId="{F845ACB6-9522-4E27-8208-B51F6E220527}" destId="{69F58639-BD44-41C2-A8EA-E5AE18BC6B2F}" srcOrd="14" destOrd="0" presId="urn:microsoft.com/office/officeart/2008/layout/LinedList"/>
-    <dgm:cxn modelId="{205792B1-9FE9-4EE9-8290-E2D15D70F319}" type="presParOf" srcId="{F845ACB6-9522-4E27-8208-B51F6E220527}" destId="{29FA1B4A-394A-40D8-8561-90EB9EEBE8B0}" srcOrd="15" destOrd="0" presId="urn:microsoft.com/office/officeart/2008/layout/LinedList"/>
-    <dgm:cxn modelId="{0564ED01-3BB1-4D0A-8338-B6583884BCAC}" type="presParOf" srcId="{F845ACB6-9522-4E27-8208-B51F6E220527}" destId="{0C81E93B-474C-42AB-AA4C-020FC445ED82}" srcOrd="16" destOrd="0" presId="urn:microsoft.com/office/officeart/2008/layout/LinedList"/>
-    <dgm:cxn modelId="{76583352-DF3A-4702-8C16-3E31D7C55457}" type="presParOf" srcId="{0C81E93B-474C-42AB-AA4C-020FC445ED82}" destId="{FED8EC1F-0258-4BB9-9BAC-BC4456D039DD}" srcOrd="0" destOrd="0" presId="urn:microsoft.com/office/officeart/2008/layout/LinedList"/>
-    <dgm:cxn modelId="{1612DE05-F06C-482F-848E-AC28D9CC4616}" type="presParOf" srcId="{0C81E93B-474C-42AB-AA4C-020FC445ED82}" destId="{82A25FBC-8DEC-4C39-A4DD-5A726D4BC982}" srcOrd="1" destOrd="0" presId="urn:microsoft.com/office/officeart/2008/layout/LinedList"/>
-    <dgm:cxn modelId="{3DE613B8-4BEA-46BD-9ABF-A4460C533111}" type="presParOf" srcId="{0C81E93B-474C-42AB-AA4C-020FC445ED82}" destId="{BEC82B28-CB17-414D-A051-75978427AB6A}" srcOrd="2" destOrd="0" presId="urn:microsoft.com/office/officeart/2008/layout/LinedList"/>
-    <dgm:cxn modelId="{ECCB652F-1E78-46A1-834D-9C8C0187D9C1}" type="presParOf" srcId="{F845ACB6-9522-4E27-8208-B51F6E220527}" destId="{56FC35ED-12D6-4367-971C-6926788F3F43}" srcOrd="17" destOrd="0" presId="urn:microsoft.com/office/officeart/2008/layout/LinedList"/>
-    <dgm:cxn modelId="{F9A4D03F-924D-444E-BD30-E78AFCD39E87}" type="presParOf" srcId="{F845ACB6-9522-4E27-8208-B51F6E220527}" destId="{8D782968-58F6-4BDC-99A9-6E92D8375264}" srcOrd="18" destOrd="0" presId="urn:microsoft.com/office/officeart/2008/layout/LinedList"/>
+    <dgm:cxn modelId="{592BBAEC-979F-4678-B90B-A8C89DC8D071}" type="presOf" srcId="{563F531B-42B4-4A58-AFC2-36FA1743BEF7}" destId="{00512740-AFC3-40B3-9D0B-BF1BF3601477}" srcOrd="0" destOrd="0" presId="urn:microsoft.com/office/officeart/2008/layout/LinedList"/>
+    <dgm:cxn modelId="{95663ACC-853C-43FB-B393-4A54C641E513}" type="presParOf" srcId="{73C1D1E3-2F45-4A14-BFD8-174514637242}" destId="{F6555E25-7E7D-45E9-B9FB-F6A6F088C4BB}" srcOrd="0" destOrd="0" presId="urn:microsoft.com/office/officeart/2008/layout/LinedList"/>
+    <dgm:cxn modelId="{DD943465-0D50-41B3-9D82-F7DCA65C1D9C}" type="presParOf" srcId="{73C1D1E3-2F45-4A14-BFD8-174514637242}" destId="{650F8B51-D06A-42F3-BF09-A7D52892548C}" srcOrd="1" destOrd="0" presId="urn:microsoft.com/office/officeart/2008/layout/LinedList"/>
+    <dgm:cxn modelId="{8ED717B2-626E-449A-8869-CBDBECFDB4AF}" type="presParOf" srcId="{650F8B51-D06A-42F3-BF09-A7D52892548C}" destId="{5512D17E-EE61-4F61-BF6D-BF133F10C8A5}" srcOrd="0" destOrd="0" presId="urn:microsoft.com/office/officeart/2008/layout/LinedList"/>
+    <dgm:cxn modelId="{03807C63-C926-4F57-913F-BC105EB20EAD}" type="presParOf" srcId="{650F8B51-D06A-42F3-BF09-A7D52892548C}" destId="{11ED7CEE-1532-498E-ABC4-CB6B2A05DA37}" srcOrd="1" destOrd="0" presId="urn:microsoft.com/office/officeart/2008/layout/LinedList"/>
+    <dgm:cxn modelId="{4E51781D-746E-498E-842E-EE0BCFE8B904}" type="presParOf" srcId="{11ED7CEE-1532-498E-ABC4-CB6B2A05DA37}" destId="{324C63BB-2545-4518-B9D7-ADC83C61F36C}" srcOrd="0" destOrd="0" presId="urn:microsoft.com/office/officeart/2008/layout/LinedList"/>
+    <dgm:cxn modelId="{5FA58706-45E1-4971-BE6E-EB154D00D447}" type="presParOf" srcId="{11ED7CEE-1532-498E-ABC4-CB6B2A05DA37}" destId="{AB273F83-7E6C-4A08-B0A8-95F6D2DC8551}" srcOrd="1" destOrd="0" presId="urn:microsoft.com/office/officeart/2008/layout/LinedList"/>
+    <dgm:cxn modelId="{16FF266A-EEEC-4A66-B864-C1EEFC73F885}" type="presParOf" srcId="{AB273F83-7E6C-4A08-B0A8-95F6D2DC8551}" destId="{9BCB58B8-82D3-4192-91CD-A9A16BF898D3}" srcOrd="0" destOrd="0" presId="urn:microsoft.com/office/officeart/2008/layout/LinedList"/>
+    <dgm:cxn modelId="{335A1C66-7F98-49A1-A9F4-ADA7405C0271}" type="presParOf" srcId="{AB273F83-7E6C-4A08-B0A8-95F6D2DC8551}" destId="{D5434FC4-F44A-49E9-A7C3-65E7A4471BF2}" srcOrd="1" destOrd="0" presId="urn:microsoft.com/office/officeart/2008/layout/LinedList"/>
+    <dgm:cxn modelId="{62D2A694-D381-4C2E-BAFE-B84216F1E653}" type="presParOf" srcId="{AB273F83-7E6C-4A08-B0A8-95F6D2DC8551}" destId="{9A3648A7-1CF4-461A-83A8-EF414468ABBB}" srcOrd="2" destOrd="0" presId="urn:microsoft.com/office/officeart/2008/layout/LinedList"/>
+    <dgm:cxn modelId="{A5521030-EFCB-4677-93A1-7AE8FEC11C67}" type="presParOf" srcId="{11ED7CEE-1532-498E-ABC4-CB6B2A05DA37}" destId="{4DDC8676-7967-49A1-8C53-6F49687BEE3A}" srcOrd="2" destOrd="0" presId="urn:microsoft.com/office/officeart/2008/layout/LinedList"/>
+    <dgm:cxn modelId="{CA61DE57-C0F4-490F-9706-03093A7F6CCF}" type="presParOf" srcId="{11ED7CEE-1532-498E-ABC4-CB6B2A05DA37}" destId="{2366B8AA-E777-40DE-B2AC-CF378F96ACC7}" srcOrd="3" destOrd="0" presId="urn:microsoft.com/office/officeart/2008/layout/LinedList"/>
+    <dgm:cxn modelId="{6E6F684B-9E6A-4EEB-A587-CE196E2607C6}" type="presParOf" srcId="{11ED7CEE-1532-498E-ABC4-CB6B2A05DA37}" destId="{5EA96E25-3D77-43D2-966C-9923E8A519F4}" srcOrd="4" destOrd="0" presId="urn:microsoft.com/office/officeart/2008/layout/LinedList"/>
+    <dgm:cxn modelId="{6FC90AAF-239E-475D-B8E4-E3DFD724CE78}" type="presParOf" srcId="{5EA96E25-3D77-43D2-966C-9923E8A519F4}" destId="{14D68D0E-6025-42BA-83DA-77CD38003E6C}" srcOrd="0" destOrd="0" presId="urn:microsoft.com/office/officeart/2008/layout/LinedList"/>
+    <dgm:cxn modelId="{AD494FD3-8005-41E2-B439-9DA010D85EF5}" type="presParOf" srcId="{5EA96E25-3D77-43D2-966C-9923E8A519F4}" destId="{00512740-AFC3-40B3-9D0B-BF1BF3601477}" srcOrd="1" destOrd="0" presId="urn:microsoft.com/office/officeart/2008/layout/LinedList"/>
+    <dgm:cxn modelId="{3BF62D0B-7A58-4ECC-B578-C0BDF81FFB4B}" type="presParOf" srcId="{5EA96E25-3D77-43D2-966C-9923E8A519F4}" destId="{52F02642-6EC8-4FCF-BFB7-74FE9BAEC39F}" srcOrd="2" destOrd="0" presId="urn:microsoft.com/office/officeart/2008/layout/LinedList"/>
+    <dgm:cxn modelId="{9F986917-0BB4-4747-A09C-995BF13EE9FC}" type="presParOf" srcId="{11ED7CEE-1532-498E-ABC4-CB6B2A05DA37}" destId="{17A77E4C-C767-494A-A3C6-7BD2AB60AB25}" srcOrd="5" destOrd="0" presId="urn:microsoft.com/office/officeart/2008/layout/LinedList"/>
+    <dgm:cxn modelId="{A15704D5-0970-41AC-B403-10A8DBD6408E}" type="presParOf" srcId="{11ED7CEE-1532-498E-ABC4-CB6B2A05DA37}" destId="{88F5E655-05DB-4828-BA75-A2FCD7130CB1}" srcOrd="6" destOrd="0" presId="urn:microsoft.com/office/officeart/2008/layout/LinedList"/>
+    <dgm:cxn modelId="{136C9C7D-C1FC-4000-A6B1-D1991F829D55}" type="presParOf" srcId="{11ED7CEE-1532-498E-ABC4-CB6B2A05DA37}" destId="{17858AA0-098B-4AC8-8D0F-762C0F003FE5}" srcOrd="7" destOrd="0" presId="urn:microsoft.com/office/officeart/2008/layout/LinedList"/>
+    <dgm:cxn modelId="{FB55DEE1-9CF2-403C-A49E-7FD48BEAE092}" type="presParOf" srcId="{17858AA0-098B-4AC8-8D0F-762C0F003FE5}" destId="{C9995B08-CF18-4DEE-AA8F-BEAE16FDBB02}" srcOrd="0" destOrd="0" presId="urn:microsoft.com/office/officeart/2008/layout/LinedList"/>
+    <dgm:cxn modelId="{C96C7EC7-0EBC-49FD-B393-589952104060}" type="presParOf" srcId="{17858AA0-098B-4AC8-8D0F-762C0F003FE5}" destId="{65A28D6A-5E26-40D3-A507-76856DE820CD}" srcOrd="1" destOrd="0" presId="urn:microsoft.com/office/officeart/2008/layout/LinedList"/>
+    <dgm:cxn modelId="{F4EDF915-1AE1-4158-BDDE-F6CF48827A0E}" type="presParOf" srcId="{17858AA0-098B-4AC8-8D0F-762C0F003FE5}" destId="{88BD255F-724F-4F44-BC2D-48016D6E1E2D}" srcOrd="2" destOrd="0" presId="urn:microsoft.com/office/officeart/2008/layout/LinedList"/>
+    <dgm:cxn modelId="{9092CFD5-D2ED-4EEC-A757-31F844E23400}" type="presParOf" srcId="{11ED7CEE-1532-498E-ABC4-CB6B2A05DA37}" destId="{030139B6-C235-499B-A421-0EAC948572B7}" srcOrd="8" destOrd="0" presId="urn:microsoft.com/office/officeart/2008/layout/LinedList"/>
+    <dgm:cxn modelId="{D6DB377E-5F98-40E8-B89D-C97961F7B548}" type="presParOf" srcId="{11ED7CEE-1532-498E-ABC4-CB6B2A05DA37}" destId="{FF14AA49-4F16-42A8-92BD-C98E70BEDB2A}" srcOrd="9" destOrd="0" presId="urn:microsoft.com/office/officeart/2008/layout/LinedList"/>
+    <dgm:cxn modelId="{DAE03759-20AE-4864-B228-B2B1E761E63A}" type="presParOf" srcId="{11ED7CEE-1532-498E-ABC4-CB6B2A05DA37}" destId="{D838746B-BCCA-473D-B50F-EE97A3179ABA}" srcOrd="10" destOrd="0" presId="urn:microsoft.com/office/officeart/2008/layout/LinedList"/>
+    <dgm:cxn modelId="{293A181A-1DEE-4992-ABDB-2528112A5802}" type="presParOf" srcId="{D838746B-BCCA-473D-B50F-EE97A3179ABA}" destId="{9BC02494-62DF-47AF-9A35-3512BF00F722}" srcOrd="0" destOrd="0" presId="urn:microsoft.com/office/officeart/2008/layout/LinedList"/>
+    <dgm:cxn modelId="{29739FE3-A5BB-45C6-A920-A0884F4DB713}" type="presParOf" srcId="{D838746B-BCCA-473D-B50F-EE97A3179ABA}" destId="{207A74F1-B6CA-4C1D-B82C-9363D4E6000B}" srcOrd="1" destOrd="0" presId="urn:microsoft.com/office/officeart/2008/layout/LinedList"/>
+    <dgm:cxn modelId="{A5AC692F-DFD4-451E-A253-1BB61071CBDB}" type="presParOf" srcId="{D838746B-BCCA-473D-B50F-EE97A3179ABA}" destId="{2E83E4A5-45E5-4AFF-8681-C90B0208EF4F}" srcOrd="2" destOrd="0" presId="urn:microsoft.com/office/officeart/2008/layout/LinedList"/>
+    <dgm:cxn modelId="{639BA930-C265-4FC3-8D9B-7C8AA758055A}" type="presParOf" srcId="{11ED7CEE-1532-498E-ABC4-CB6B2A05DA37}" destId="{D40E36F4-94E0-4962-92D0-66C582BD7BB9}" srcOrd="11" destOrd="0" presId="urn:microsoft.com/office/officeart/2008/layout/LinedList"/>
+    <dgm:cxn modelId="{A2BF9055-55E9-4000-91FF-32E05D94A1C4}" type="presParOf" srcId="{11ED7CEE-1532-498E-ABC4-CB6B2A05DA37}" destId="{6E435154-25B6-47F5-B6A1-EBAD9FD0D024}" srcOrd="12" destOrd="0" presId="urn:microsoft.com/office/officeart/2008/layout/LinedList"/>
+    <dgm:cxn modelId="{78B308BF-31B0-47CC-9430-D617BD52F55E}" type="presParOf" srcId="{11ED7CEE-1532-498E-ABC4-CB6B2A05DA37}" destId="{23EF4F96-B00A-4A61-BD4C-C76DB966200C}" srcOrd="13" destOrd="0" presId="urn:microsoft.com/office/officeart/2008/layout/LinedList"/>
+    <dgm:cxn modelId="{BC2BD5EC-5654-42DA-B185-EE06D6255905}" type="presParOf" srcId="{23EF4F96-B00A-4A61-BD4C-C76DB966200C}" destId="{488FB69C-CFEE-4D21-94F3-695FA283F863}" srcOrd="0" destOrd="0" presId="urn:microsoft.com/office/officeart/2008/layout/LinedList"/>
+    <dgm:cxn modelId="{06AE9A54-69DA-42C1-B198-2D29AFEEB876}" type="presParOf" srcId="{23EF4F96-B00A-4A61-BD4C-C76DB966200C}" destId="{969E3E83-BBD9-40B5-878F-3A6D351DBEEB}" srcOrd="1" destOrd="0" presId="urn:microsoft.com/office/officeart/2008/layout/LinedList"/>
+    <dgm:cxn modelId="{C0E7E6D4-6A24-4278-AA3C-D959DFD9C82F}" type="presParOf" srcId="{23EF4F96-B00A-4A61-BD4C-C76DB966200C}" destId="{C62C46EE-D3CB-4C25-AC5F-4DA1893C63DA}" srcOrd="2" destOrd="0" presId="urn:microsoft.com/office/officeart/2008/layout/LinedList"/>
+    <dgm:cxn modelId="{027141C2-38BA-4642-8201-D74872D27571}" type="presParOf" srcId="{11ED7CEE-1532-498E-ABC4-CB6B2A05DA37}" destId="{5B63DC0C-6E11-45C7-AEF0-22B7276AA2E6}" srcOrd="14" destOrd="0" presId="urn:microsoft.com/office/officeart/2008/layout/LinedList"/>
+    <dgm:cxn modelId="{1FBBDAAB-F34A-4305-B65B-80BCF5EF1B40}" type="presParOf" srcId="{11ED7CEE-1532-498E-ABC4-CB6B2A05DA37}" destId="{0EFBB7DC-4C85-4CE1-B1B0-E75F6981A150}" srcOrd="15" destOrd="0" presId="urn:microsoft.com/office/officeart/2008/layout/LinedList"/>
+    <dgm:cxn modelId="{77BA41C6-FFEC-4110-A8C7-C890EE8D9808}" type="presParOf" srcId="{11ED7CEE-1532-498E-ABC4-CB6B2A05DA37}" destId="{23694D14-EE40-45FD-B35F-2431A46419D1}" srcOrd="16" destOrd="0" presId="urn:microsoft.com/office/officeart/2008/layout/LinedList"/>
+    <dgm:cxn modelId="{95091EEF-F009-4609-8E7F-D9A9252380FA}" type="presParOf" srcId="{23694D14-EE40-45FD-B35F-2431A46419D1}" destId="{7A310EF0-97CF-4804-9C64-3F139623A59F}" srcOrd="0" destOrd="0" presId="urn:microsoft.com/office/officeart/2008/layout/LinedList"/>
+    <dgm:cxn modelId="{9E8DB992-E746-4A8B-ABD2-71117DCDADF9}" type="presParOf" srcId="{23694D14-EE40-45FD-B35F-2431A46419D1}" destId="{13955F71-B63D-4408-BC2E-B44678948361}" srcOrd="1" destOrd="0" presId="urn:microsoft.com/office/officeart/2008/layout/LinedList"/>
+    <dgm:cxn modelId="{B834BF63-EBDB-425C-B787-22B02394996C}" type="presParOf" srcId="{23694D14-EE40-45FD-B35F-2431A46419D1}" destId="{07DD3121-7CAB-44E1-8B13-B90016E0882D}" srcOrd="2" destOrd="0" presId="urn:microsoft.com/office/officeart/2008/layout/LinedList"/>
+    <dgm:cxn modelId="{E6FF8A51-179F-48C5-A935-ACDD54FDBE2D}" type="presParOf" srcId="{11ED7CEE-1532-498E-ABC4-CB6B2A05DA37}" destId="{CD69B33B-787F-48B0-B867-F1CE31E872E8}" srcOrd="17" destOrd="0" presId="urn:microsoft.com/office/officeart/2008/layout/LinedList"/>
+    <dgm:cxn modelId="{840B4F62-3AD5-4D3E-9913-FDD68A7E646B}" type="presParOf" srcId="{11ED7CEE-1532-498E-ABC4-CB6B2A05DA37}" destId="{E4F9F60C-CF50-438C-9CA7-A59A124E1A32}" srcOrd="18" destOrd="0" presId="urn:microsoft.com/office/officeart/2008/layout/LinedList"/>
   </dgm:cxnLst>
   <dgm:bg/>
   <dgm:whole/>
@@ -1625,7 +1489,7 @@
       <dsp:cNvGrpSpPr/>
     </dsp:nvGrpSpPr>
     <dsp:grpSpPr/>
-    <dsp:sp modelId="{F224DCDF-65CB-446C-AB84-5E09C0A83452}">
+    <dsp:sp modelId="{F6555E25-7E7D-45E9-B9FB-F6A6F088C4BB}">
       <dsp:nvSpPr>
         <dsp:cNvPr id="0" name=""/>
         <dsp:cNvSpPr/>
@@ -1633,13 +1497,13 @@
       <dsp:spPr>
         <a:xfrm>
           <a:off x="0" y="0"/>
-          <a:ext cx="6900512" cy="0"/>
+          <a:ext cx="6713552" cy="0"/>
         </a:xfrm>
         <a:prstGeom prst="line">
           <a:avLst/>
         </a:prstGeom>
         <a:solidFill>
-          <a:schemeClr val="accent2">
+          <a:schemeClr val="accent5">
             <a:hueOff val="0"/>
             <a:satOff val="0"/>
             <a:lumOff val="0"/>
@@ -1648,7 +1512,7 @@
         </a:solidFill>
         <a:ln w="12700" cap="flat" cmpd="sng" algn="ctr">
           <a:solidFill>
-            <a:schemeClr val="accent2">
+            <a:schemeClr val="accent5">
               <a:hueOff val="0"/>
               <a:satOff val="0"/>
               <a:lumOff val="0"/>
@@ -1667,7 +1531,7 @@
         <a:fillRef idx="1">
           <a:scrgbClr r="0" g="0" b="0"/>
         </a:fillRef>
-        <a:effectRef idx="0">
+        <a:effectRef idx="1">
           <a:scrgbClr r="0" g="0" b="0"/>
         </a:effectRef>
         <a:fontRef idx="minor">
@@ -1675,7 +1539,7 @@
         </a:fontRef>
       </dsp:style>
     </dsp:sp>
-    <dsp:sp modelId="{D61EA227-94AF-4619-805E-56F50ECD8D24}">
+    <dsp:sp modelId="{5512D17E-EE61-4F61-BF6D-BF133F10C8A5}">
       <dsp:nvSpPr>
         <dsp:cNvPr id="0" name=""/>
         <dsp:cNvSpPr/>
@@ -1683,7 +1547,7 @@
       <dsp:spPr>
         <a:xfrm>
           <a:off x="0" y="0"/>
-          <a:ext cx="1380102" cy="5536141"/>
+          <a:ext cx="1342710" cy="4119172"/>
         </a:xfrm>
         <a:prstGeom prst="rect">
           <a:avLst/>
@@ -1732,18 +1596,18 @@
       </dsp:txBody>
       <dsp:txXfrm>
         <a:off x="0" y="0"/>
-        <a:ext cx="1380102" cy="5536141"/>
+        <a:ext cx="1342710" cy="4119172"/>
       </dsp:txXfrm>
     </dsp:sp>
-    <dsp:sp modelId="{5BB5F4FC-B12C-45FC-8934-4576B276829E}">
+    <dsp:sp modelId="{D5434FC4-F44A-49E9-A7C3-65E7A4471BF2}">
       <dsp:nvSpPr>
         <dsp:cNvPr id="0" name=""/>
         <dsp:cNvSpPr/>
       </dsp:nvSpPr>
       <dsp:spPr>
         <a:xfrm>
-          <a:off x="1483610" y="43589"/>
-          <a:ext cx="5416901" cy="871780"/>
+          <a:off x="1443413" y="32432"/>
+          <a:ext cx="5270138" cy="648648"/>
         </a:xfrm>
         <a:prstGeom prst="rect">
           <a:avLst/>
@@ -1767,12 +1631,12 @@
         <a:fontRef idx="minor"/>
       </dsp:style>
       <dsp:txBody>
-        <a:bodyPr spcFirstLastPara="0" vert="horz" wrap="square" lIns="64770" tIns="64770" rIns="64770" bIns="64770" numCol="1" spcCol="1270" anchor="t" anchorCtr="0">
+        <a:bodyPr spcFirstLastPara="0" vert="horz" wrap="square" lIns="49530" tIns="49530" rIns="49530" bIns="49530" numCol="1" spcCol="1270" anchor="t" anchorCtr="0">
           <a:noAutofit/>
         </a:bodyPr>
         <a:lstStyle/>
         <a:p>
-          <a:pPr marL="0" lvl="0" indent="0" algn="l" defTabSz="755650">
+          <a:pPr marL="0" lvl="0" indent="0" algn="l" defTabSz="577850">
             <a:lnSpc>
               <a:spcPct val="90000"/>
             </a:lnSpc>
@@ -1785,35 +1649,35 @@
             <a:buNone/>
           </a:pPr>
           <a:r>
-            <a:rPr lang="en-US" sz="1700" b="1" kern="1200"/>
+            <a:rPr lang="en-US" sz="1300" b="1" kern="1200"/>
             <a:t>Spring cloud Config </a:t>
           </a:r>
           <a:r>
-            <a:rPr lang="en-US" sz="1700" kern="1200"/>
+            <a:rPr lang="en-US" sz="1300" kern="1200"/>
             <a:t>– To maintain Configuration details</a:t>
           </a:r>
         </a:p>
       </dsp:txBody>
       <dsp:txXfrm>
-        <a:off x="1483610" y="43589"/>
-        <a:ext cx="5416901" cy="871780"/>
+        <a:off x="1443413" y="32432"/>
+        <a:ext cx="5270138" cy="648648"/>
       </dsp:txXfrm>
     </dsp:sp>
-    <dsp:sp modelId="{44CCB9B3-54AA-443C-B633-E9BE33772C30}">
+    <dsp:sp modelId="{4DDC8676-7967-49A1-8C53-6F49687BEE3A}">
       <dsp:nvSpPr>
         <dsp:cNvPr id="0" name=""/>
         <dsp:cNvSpPr/>
       </dsp:nvSpPr>
       <dsp:spPr>
         <a:xfrm>
-          <a:off x="1380102" y="915369"/>
-          <a:ext cx="5520409" cy="0"/>
+          <a:off x="1342710" y="681081"/>
+          <a:ext cx="5370841" cy="0"/>
         </a:xfrm>
         <a:prstGeom prst="line">
           <a:avLst/>
         </a:prstGeom>
         <a:solidFill>
-          <a:schemeClr val="accent2">
+          <a:schemeClr val="accent5">
             <a:hueOff val="0"/>
             <a:satOff val="0"/>
             <a:lumOff val="0"/>
@@ -1822,7 +1686,7 @@
         </a:solidFill>
         <a:ln w="12700" cap="flat" cmpd="sng" algn="ctr">
           <a:solidFill>
-            <a:schemeClr val="accent2">
+            <a:schemeClr val="accent5">
               <a:tint val="50000"/>
               <a:hueOff val="0"/>
               <a:satOff val="0"/>
@@ -1842,21 +1706,21 @@
         <a:fillRef idx="1">
           <a:scrgbClr r="0" g="0" b="0"/>
         </a:fillRef>
-        <a:effectRef idx="0">
+        <a:effectRef idx="1">
           <a:scrgbClr r="0" g="0" b="0"/>
         </a:effectRef>
         <a:fontRef idx="minor"/>
       </dsp:style>
     </dsp:sp>
-    <dsp:sp modelId="{BF04D186-5DD1-4A31-90BD-E78981EF6CBA}">
+    <dsp:sp modelId="{00512740-AFC3-40B3-9D0B-BF1BF3601477}">
       <dsp:nvSpPr>
         <dsp:cNvPr id="0" name=""/>
         <dsp:cNvSpPr/>
       </dsp:nvSpPr>
       <dsp:spPr>
         <a:xfrm>
-          <a:off x="1483610" y="958958"/>
-          <a:ext cx="5416901" cy="871780"/>
+          <a:off x="1443413" y="713513"/>
+          <a:ext cx="5270138" cy="648648"/>
         </a:xfrm>
         <a:prstGeom prst="rect">
           <a:avLst/>
@@ -1880,12 +1744,12 @@
         <a:fontRef idx="minor"/>
       </dsp:style>
       <dsp:txBody>
-        <a:bodyPr spcFirstLastPara="0" vert="horz" wrap="square" lIns="64770" tIns="64770" rIns="64770" bIns="64770" numCol="1" spcCol="1270" anchor="t" anchorCtr="0">
+        <a:bodyPr spcFirstLastPara="0" vert="horz" wrap="square" lIns="49530" tIns="49530" rIns="49530" bIns="49530" numCol="1" spcCol="1270" anchor="t" anchorCtr="0">
           <a:noAutofit/>
         </a:bodyPr>
         <a:lstStyle/>
         <a:p>
-          <a:pPr marL="0" lvl="0" indent="0" algn="l" defTabSz="755650">
+          <a:pPr marL="0" lvl="0" indent="0" algn="l" defTabSz="577850">
             <a:lnSpc>
               <a:spcPct val="90000"/>
             </a:lnSpc>
@@ -1898,35 +1762,35 @@
             <a:buNone/>
           </a:pPr>
           <a:r>
-            <a:rPr lang="en-US" sz="1700" b="1" kern="1200" dirty="0"/>
+            <a:rPr lang="en-US" sz="1300" b="1" kern="1200" dirty="0"/>
             <a:t>Service Registry and Discovery </a:t>
           </a:r>
           <a:r>
-            <a:rPr lang="en-US" sz="1700" kern="1200" dirty="0"/>
+            <a:rPr lang="en-US" sz="1300" kern="1200" dirty="0"/>
             <a:t>– Services will be registered later consumer can invoke them through logical name than physical address</a:t>
           </a:r>
         </a:p>
       </dsp:txBody>
       <dsp:txXfrm>
-        <a:off x="1483610" y="958958"/>
-        <a:ext cx="5416901" cy="871780"/>
+        <a:off x="1443413" y="713513"/>
+        <a:ext cx="5270138" cy="648648"/>
       </dsp:txXfrm>
     </dsp:sp>
-    <dsp:sp modelId="{D52B8333-250D-4A61-A6DC-264F00ED9519}">
+    <dsp:sp modelId="{17A77E4C-C767-494A-A3C6-7BD2AB60AB25}">
       <dsp:nvSpPr>
         <dsp:cNvPr id="0" name=""/>
         <dsp:cNvSpPr/>
       </dsp:nvSpPr>
       <dsp:spPr>
         <a:xfrm>
-          <a:off x="1380102" y="1830738"/>
-          <a:ext cx="5520409" cy="0"/>
+          <a:off x="1342710" y="1362162"/>
+          <a:ext cx="5370841" cy="0"/>
         </a:xfrm>
         <a:prstGeom prst="line">
           <a:avLst/>
         </a:prstGeom>
         <a:solidFill>
-          <a:schemeClr val="accent2">
+          <a:schemeClr val="accent5">
             <a:hueOff val="0"/>
             <a:satOff val="0"/>
             <a:lumOff val="0"/>
@@ -1935,7 +1799,7 @@
         </a:solidFill>
         <a:ln w="12700" cap="flat" cmpd="sng" algn="ctr">
           <a:solidFill>
-            <a:schemeClr val="accent2">
+            <a:schemeClr val="accent5">
               <a:tint val="50000"/>
               <a:hueOff val="0"/>
               <a:satOff val="0"/>
@@ -1955,21 +1819,21 @@
         <a:fillRef idx="1">
           <a:scrgbClr r="0" g="0" b="0"/>
         </a:fillRef>
-        <a:effectRef idx="0">
+        <a:effectRef idx="1">
           <a:scrgbClr r="0" g="0" b="0"/>
         </a:effectRef>
         <a:fontRef idx="minor"/>
       </dsp:style>
     </dsp:sp>
-    <dsp:sp modelId="{366355B0-BBDD-4084-A520-0B5EC5A240EC}">
+    <dsp:sp modelId="{65A28D6A-5E26-40D3-A507-76856DE820CD}">
       <dsp:nvSpPr>
         <dsp:cNvPr id="0" name=""/>
         <dsp:cNvSpPr/>
       </dsp:nvSpPr>
       <dsp:spPr>
         <a:xfrm>
-          <a:off x="1483610" y="1874327"/>
-          <a:ext cx="5416901" cy="871780"/>
+          <a:off x="1443413" y="1394595"/>
+          <a:ext cx="5270138" cy="648648"/>
         </a:xfrm>
         <a:prstGeom prst="rect">
           <a:avLst/>
@@ -1993,12 +1857,12 @@
         <a:fontRef idx="minor"/>
       </dsp:style>
       <dsp:txBody>
-        <a:bodyPr spcFirstLastPara="0" vert="horz" wrap="square" lIns="64770" tIns="64770" rIns="64770" bIns="64770" numCol="1" spcCol="1270" anchor="t" anchorCtr="0">
+        <a:bodyPr spcFirstLastPara="0" vert="horz" wrap="square" lIns="49530" tIns="49530" rIns="49530" bIns="49530" numCol="1" spcCol="1270" anchor="t" anchorCtr="0">
           <a:noAutofit/>
         </a:bodyPr>
         <a:lstStyle/>
         <a:p>
-          <a:pPr marL="0" lvl="0" indent="0" algn="l" defTabSz="755650">
+          <a:pPr marL="0" lvl="0" indent="0" algn="l" defTabSz="577850">
             <a:lnSpc>
               <a:spcPct val="90000"/>
             </a:lnSpc>
@@ -2011,35 +1875,35 @@
             <a:buNone/>
           </a:pPr>
           <a:r>
-            <a:rPr lang="en-US" sz="1700" b="1" kern="1200" dirty="0"/>
+            <a:rPr lang="en-US" sz="1300" b="1" kern="1200" dirty="0"/>
             <a:t>Routing and tracing  - </a:t>
           </a:r>
           <a:r>
-            <a:rPr lang="en-US" sz="1700" b="0" kern="1200" dirty="0"/>
+            <a:rPr lang="en-US" sz="1300" b="0" kern="1200" dirty="0"/>
             <a:t>All calls to microservice will go through a single “front door” &amp; same will be traced</a:t>
           </a:r>
         </a:p>
       </dsp:txBody>
       <dsp:txXfrm>
-        <a:off x="1483610" y="1874327"/>
-        <a:ext cx="5416901" cy="871780"/>
+        <a:off x="1443413" y="1394595"/>
+        <a:ext cx="5270138" cy="648648"/>
       </dsp:txXfrm>
     </dsp:sp>
-    <dsp:sp modelId="{5592EB7D-ACD6-4E32-BF54-C89B8D2DE448}">
+    <dsp:sp modelId="{030139B6-C235-499B-A421-0EAC948572B7}">
       <dsp:nvSpPr>
         <dsp:cNvPr id="0" name=""/>
         <dsp:cNvSpPr/>
       </dsp:nvSpPr>
       <dsp:spPr>
         <a:xfrm>
-          <a:off x="1380102" y="2746107"/>
-          <a:ext cx="5520409" cy="0"/>
+          <a:off x="1342710" y="2043244"/>
+          <a:ext cx="5370841" cy="0"/>
         </a:xfrm>
         <a:prstGeom prst="line">
           <a:avLst/>
         </a:prstGeom>
         <a:solidFill>
-          <a:schemeClr val="accent2">
+          <a:schemeClr val="accent5">
             <a:hueOff val="0"/>
             <a:satOff val="0"/>
             <a:lumOff val="0"/>
@@ -2048,7 +1912,7 @@
         </a:solidFill>
         <a:ln w="12700" cap="flat" cmpd="sng" algn="ctr">
           <a:solidFill>
-            <a:schemeClr val="accent2">
+            <a:schemeClr val="accent5">
               <a:tint val="50000"/>
               <a:hueOff val="0"/>
               <a:satOff val="0"/>
@@ -2068,21 +1932,21 @@
         <a:fillRef idx="1">
           <a:scrgbClr r="0" g="0" b="0"/>
         </a:fillRef>
-        <a:effectRef idx="0">
+        <a:effectRef idx="1">
           <a:scrgbClr r="0" g="0" b="0"/>
         </a:effectRef>
         <a:fontRef idx="minor"/>
       </dsp:style>
     </dsp:sp>
-    <dsp:sp modelId="{3110DBAF-A473-4F01-8921-6A610D53F165}">
+    <dsp:sp modelId="{207A74F1-B6CA-4C1D-B82C-9363D4E6000B}">
       <dsp:nvSpPr>
         <dsp:cNvPr id="0" name=""/>
         <dsp:cNvSpPr/>
       </dsp:nvSpPr>
       <dsp:spPr>
         <a:xfrm>
-          <a:off x="1483610" y="2789696"/>
-          <a:ext cx="5416901" cy="871780"/>
+          <a:off x="1443413" y="2075676"/>
+          <a:ext cx="5270138" cy="648648"/>
         </a:xfrm>
         <a:prstGeom prst="rect">
           <a:avLst/>
@@ -2106,12 +1970,12 @@
         <a:fontRef idx="minor"/>
       </dsp:style>
       <dsp:txBody>
-        <a:bodyPr spcFirstLastPara="0" vert="horz" wrap="square" lIns="64770" tIns="64770" rIns="64770" bIns="64770" numCol="1" spcCol="1270" anchor="t" anchorCtr="0">
+        <a:bodyPr spcFirstLastPara="0" vert="horz" wrap="square" lIns="49530" tIns="49530" rIns="49530" bIns="49530" numCol="1" spcCol="1270" anchor="t" anchorCtr="0">
           <a:noAutofit/>
         </a:bodyPr>
         <a:lstStyle/>
         <a:p>
-          <a:pPr marL="0" lvl="0" indent="0" algn="l" defTabSz="755650">
+          <a:pPr marL="0" lvl="0" indent="0" algn="l" defTabSz="577850">
             <a:lnSpc>
               <a:spcPct val="90000"/>
             </a:lnSpc>
@@ -2124,35 +1988,35 @@
             <a:buNone/>
           </a:pPr>
           <a:r>
-            <a:rPr lang="en-US" sz="1700" b="1" kern="1200" dirty="0"/>
+            <a:rPr lang="en-US" sz="1300" b="1" kern="1200" dirty="0"/>
             <a:t>Load Balancing – </a:t>
           </a:r>
           <a:r>
-            <a:rPr lang="en-US" sz="1700" b="0" kern="1200" dirty="0"/>
+            <a:rPr lang="en-US" sz="1300" b="0" kern="1200" dirty="0"/>
             <a:t>Effectively distributes network traffic to multiple backend server or server pool</a:t>
           </a:r>
         </a:p>
       </dsp:txBody>
       <dsp:txXfrm>
-        <a:off x="1483610" y="2789696"/>
-        <a:ext cx="5416901" cy="871780"/>
+        <a:off x="1443413" y="2075676"/>
+        <a:ext cx="5270138" cy="648648"/>
       </dsp:txXfrm>
     </dsp:sp>
-    <dsp:sp modelId="{6500F193-99E2-4B63-BBD8-EDA39F904D19}">
+    <dsp:sp modelId="{D40E36F4-94E0-4962-92D0-66C582BD7BB9}">
       <dsp:nvSpPr>
         <dsp:cNvPr id="0" name=""/>
         <dsp:cNvSpPr/>
       </dsp:nvSpPr>
       <dsp:spPr>
         <a:xfrm>
-          <a:off x="1380102" y="3661476"/>
-          <a:ext cx="5520409" cy="0"/>
+          <a:off x="1342710" y="2724325"/>
+          <a:ext cx="5370841" cy="0"/>
         </a:xfrm>
         <a:prstGeom prst="line">
           <a:avLst/>
         </a:prstGeom>
         <a:solidFill>
-          <a:schemeClr val="accent2">
+          <a:schemeClr val="accent5">
             <a:hueOff val="0"/>
             <a:satOff val="0"/>
             <a:lumOff val="0"/>
@@ -2161,7 +2025,7 @@
         </a:solidFill>
         <a:ln w="12700" cap="flat" cmpd="sng" algn="ctr">
           <a:solidFill>
-            <a:schemeClr val="accent2">
+            <a:schemeClr val="accent5">
               <a:tint val="50000"/>
               <a:hueOff val="0"/>
               <a:satOff val="0"/>
@@ -2181,21 +2045,21 @@
         <a:fillRef idx="1">
           <a:scrgbClr r="0" g="0" b="0"/>
         </a:fillRef>
-        <a:effectRef idx="0">
+        <a:effectRef idx="1">
           <a:scrgbClr r="0" g="0" b="0"/>
         </a:effectRef>
         <a:fontRef idx="minor"/>
       </dsp:style>
     </dsp:sp>
-    <dsp:sp modelId="{F8255A2B-E124-4BBC-8FF3-2ED7676FD0F2}">
+    <dsp:sp modelId="{969E3E83-BBD9-40B5-878F-3A6D351DBEEB}">
       <dsp:nvSpPr>
         <dsp:cNvPr id="0" name=""/>
         <dsp:cNvSpPr/>
       </dsp:nvSpPr>
       <dsp:spPr>
         <a:xfrm>
-          <a:off x="1483610" y="3705065"/>
-          <a:ext cx="5416901" cy="871780"/>
+          <a:off x="1443413" y="2756757"/>
+          <a:ext cx="5270138" cy="648648"/>
         </a:xfrm>
         <a:prstGeom prst="rect">
           <a:avLst/>
@@ -2219,12 +2083,12 @@
         <a:fontRef idx="minor"/>
       </dsp:style>
       <dsp:txBody>
-        <a:bodyPr spcFirstLastPara="0" vert="horz" wrap="square" lIns="64770" tIns="64770" rIns="64770" bIns="64770" numCol="1" spcCol="1270" anchor="t" anchorCtr="0">
+        <a:bodyPr spcFirstLastPara="0" vert="horz" wrap="square" lIns="49530" tIns="49530" rIns="49530" bIns="49530" numCol="1" spcCol="1270" anchor="t" anchorCtr="0">
           <a:noAutofit/>
         </a:bodyPr>
         <a:lstStyle/>
         <a:p>
-          <a:pPr marL="0" lvl="0" indent="0" algn="l" defTabSz="755650">
+          <a:pPr marL="0" lvl="0" indent="0" algn="l" defTabSz="577850">
             <a:lnSpc>
               <a:spcPct val="90000"/>
             </a:lnSpc>
@@ -2237,36 +2101,36 @@
             <a:buNone/>
           </a:pPr>
           <a:r>
-            <a:rPr lang="en-US" sz="1700" b="1" kern="1200" dirty="0"/>
+            <a:rPr lang="en-US" sz="1300" b="1" kern="1200" dirty="0"/>
             <a:t>Spring cloud security – </a:t>
           </a:r>
           <a:r>
-            <a:rPr lang="en-US" sz="1700" b="0" kern="1200" dirty="0"/>
+            <a:rPr lang="en-US" sz="1300" b="0" kern="1200" dirty="0"/>
             <a:t>Provide token-based security</a:t>
           </a:r>
-          <a:endParaRPr lang="en-US" sz="1700" kern="1200" dirty="0"/>
+          <a:endParaRPr lang="en-US" sz="1300" kern="1200" dirty="0"/>
         </a:p>
       </dsp:txBody>
       <dsp:txXfrm>
-        <a:off x="1483610" y="3705065"/>
-        <a:ext cx="5416901" cy="871780"/>
+        <a:off x="1443413" y="2756757"/>
+        <a:ext cx="5270138" cy="648648"/>
       </dsp:txXfrm>
     </dsp:sp>
-    <dsp:sp modelId="{69F58639-BD44-41C2-A8EA-E5AE18BC6B2F}">
+    <dsp:sp modelId="{5B63DC0C-6E11-45C7-AEF0-22B7276AA2E6}">
       <dsp:nvSpPr>
         <dsp:cNvPr id="0" name=""/>
         <dsp:cNvSpPr/>
       </dsp:nvSpPr>
       <dsp:spPr>
         <a:xfrm>
-          <a:off x="1380102" y="4576845"/>
-          <a:ext cx="5520409" cy="0"/>
+          <a:off x="1342710" y="3405406"/>
+          <a:ext cx="5370841" cy="0"/>
         </a:xfrm>
         <a:prstGeom prst="line">
           <a:avLst/>
         </a:prstGeom>
         <a:solidFill>
-          <a:schemeClr val="accent2">
+          <a:schemeClr val="accent5">
             <a:hueOff val="0"/>
             <a:satOff val="0"/>
             <a:lumOff val="0"/>
@@ -2275,7 +2139,7 @@
         </a:solidFill>
         <a:ln w="12700" cap="flat" cmpd="sng" algn="ctr">
           <a:solidFill>
-            <a:schemeClr val="accent2">
+            <a:schemeClr val="accent5">
               <a:tint val="50000"/>
               <a:hueOff val="0"/>
               <a:satOff val="0"/>
@@ -2295,21 +2159,21 @@
         <a:fillRef idx="1">
           <a:scrgbClr r="0" g="0" b="0"/>
         </a:fillRef>
-        <a:effectRef idx="0">
+        <a:effectRef idx="1">
           <a:scrgbClr r="0" g="0" b="0"/>
         </a:effectRef>
         <a:fontRef idx="minor"/>
       </dsp:style>
     </dsp:sp>
-    <dsp:sp modelId="{82A25FBC-8DEC-4C39-A4DD-5A726D4BC982}">
+    <dsp:sp modelId="{13955F71-B63D-4408-BC2E-B44678948361}">
       <dsp:nvSpPr>
         <dsp:cNvPr id="0" name=""/>
         <dsp:cNvSpPr/>
       </dsp:nvSpPr>
       <dsp:spPr>
         <a:xfrm>
-          <a:off x="1483610" y="4620434"/>
-          <a:ext cx="5416901" cy="871780"/>
+          <a:off x="1443413" y="3437839"/>
+          <a:ext cx="5270138" cy="648648"/>
         </a:xfrm>
         <a:prstGeom prst="rect">
           <a:avLst/>
@@ -2333,12 +2197,12 @@
         <a:fontRef idx="minor"/>
       </dsp:style>
       <dsp:txBody>
-        <a:bodyPr spcFirstLastPara="0" vert="horz" wrap="square" lIns="64770" tIns="64770" rIns="64770" bIns="64770" numCol="1" spcCol="1270" anchor="t" anchorCtr="0">
+        <a:bodyPr spcFirstLastPara="0" vert="horz" wrap="square" lIns="49530" tIns="49530" rIns="49530" bIns="49530" numCol="1" spcCol="1270" anchor="t" anchorCtr="0">
           <a:noAutofit/>
         </a:bodyPr>
         <a:lstStyle/>
         <a:p>
-          <a:pPr marL="0" lvl="0" indent="0" algn="l" defTabSz="755650">
+          <a:pPr marL="0" lvl="0" indent="0" algn="l" defTabSz="577850">
             <a:lnSpc>
               <a:spcPct val="90000"/>
             </a:lnSpc>
@@ -2351,52 +2215,52 @@
             <a:buNone/>
           </a:pPr>
           <a:r>
-            <a:rPr lang="en-US" sz="1700" b="1" kern="1200" dirty="0"/>
+            <a:rPr lang="en-US" sz="1300" b="1" kern="1200" dirty="0"/>
             <a:t>Spring cloud Netflix – </a:t>
           </a:r>
           <a:r>
-            <a:rPr lang="en-US" sz="1700" b="0" kern="1200" dirty="0"/>
+            <a:rPr lang="en-US" sz="1300" b="0" kern="1200" dirty="0"/>
             <a:t>Service Discovery(Eureka), Circuit Breaker(</a:t>
           </a:r>
           <a:r>
-            <a:rPr lang="en-US" sz="1700" b="0" kern="1200" dirty="0" err="1"/>
+            <a:rPr lang="en-US" sz="1300" b="0" kern="1200" dirty="0" err="1"/>
             <a:t>Hystrix</a:t>
           </a:r>
           <a:r>
-            <a:rPr lang="en-US" sz="1700" b="0" kern="1200" dirty="0"/>
+            <a:rPr lang="en-US" sz="1300" b="0" kern="1200" dirty="0"/>
             <a:t>), Intelligent Routing(</a:t>
           </a:r>
           <a:r>
-            <a:rPr lang="en-US" sz="1700" b="0" kern="1200" dirty="0" err="1"/>
+            <a:rPr lang="en-US" sz="1300" b="0" kern="1200" dirty="0" err="1"/>
             <a:t>Zuul</a:t>
           </a:r>
           <a:r>
-            <a:rPr lang="en-US" sz="1700" b="0" kern="1200" dirty="0"/>
+            <a:rPr lang="en-US" sz="1300" b="0" kern="1200" dirty="0"/>
             <a:t>) and client-side load balancing(Ribbon)</a:t>
           </a:r>
-          <a:endParaRPr lang="en-US" sz="1700" kern="1200" dirty="0"/>
+          <a:endParaRPr lang="en-US" sz="1300" kern="1200" dirty="0"/>
         </a:p>
       </dsp:txBody>
       <dsp:txXfrm>
-        <a:off x="1483610" y="4620434"/>
-        <a:ext cx="5416901" cy="871780"/>
+        <a:off x="1443413" y="3437839"/>
+        <a:ext cx="5270138" cy="648648"/>
       </dsp:txXfrm>
     </dsp:sp>
-    <dsp:sp modelId="{56FC35ED-12D6-4367-971C-6926788F3F43}">
+    <dsp:sp modelId="{CD69B33B-787F-48B0-B867-F1CE31E872E8}">
       <dsp:nvSpPr>
         <dsp:cNvPr id="0" name=""/>
         <dsp:cNvSpPr/>
       </dsp:nvSpPr>
       <dsp:spPr>
         <a:xfrm>
-          <a:off x="1380102" y="5492214"/>
-          <a:ext cx="5520409" cy="0"/>
+          <a:off x="1342710" y="4086488"/>
+          <a:ext cx="5370841" cy="0"/>
         </a:xfrm>
         <a:prstGeom prst="line">
           <a:avLst/>
         </a:prstGeom>
         <a:solidFill>
-          <a:schemeClr val="accent2">
+          <a:schemeClr val="accent5">
             <a:hueOff val="0"/>
             <a:satOff val="0"/>
             <a:lumOff val="0"/>
@@ -2405,7 +2269,7 @@
         </a:solidFill>
         <a:ln w="12700" cap="flat" cmpd="sng" algn="ctr">
           <a:solidFill>
-            <a:schemeClr val="accent2">
+            <a:schemeClr val="accent5">
               <a:tint val="50000"/>
               <a:hueOff val="0"/>
               <a:satOff val="0"/>
@@ -2425,7 +2289,7 @@
         <a:fillRef idx="1">
           <a:scrgbClr r="0" g="0" b="0"/>
         </a:fillRef>
-        <a:effectRef idx="0">
+        <a:effectRef idx="1">
           <a:scrgbClr r="0" g="0" b="0"/>
         </a:effectRef>
         <a:fontRef idx="minor"/>
@@ -2902,11 +2766,11 @@
 </file>
 
 <file path=ppt/diagrams/quickStyle1.xml><?xml version="1.0" encoding="utf-8"?>
-<dgm:styleDef xmlns:dgm="http://schemas.openxmlformats.org/drawingml/2006/diagram" xmlns:a="http://schemas.openxmlformats.org/drawingml/2006/main" uniqueId="urn:microsoft.com/office/officeart/2005/8/quickstyle/simple1">
+<dgm:styleDef xmlns:dgm="http://schemas.openxmlformats.org/drawingml/2006/diagram" xmlns:a="http://schemas.openxmlformats.org/drawingml/2006/main" uniqueId="urn:microsoft.com/office/officeart/2005/8/quickstyle/simple2">
   <dgm:title val=""/>
   <dgm:desc val=""/>
   <dgm:catLst>
-    <dgm:cat type="simple" pri="10100"/>
+    <dgm:cat type="simple" pri="10200"/>
   </dgm:catLst>
   <dgm:scene3d>
     <a:camera prst="orthographicFront"/>
@@ -2920,13 +2784,13 @@
     <dgm:sp3d/>
     <dgm:txPr/>
     <dgm:style>
-      <a:lnRef idx="2">
+      <a:lnRef idx="3">
         <a:scrgbClr r="0" g="0" b="0"/>
       </a:lnRef>
       <a:fillRef idx="1">
         <a:scrgbClr r="0" g="0" b="0"/>
       </a:fillRef>
-      <a:effectRef idx="0">
+      <a:effectRef idx="1">
         <a:scrgbClr r="0" g="0" b="0"/>
       </a:effectRef>
       <a:fontRef idx="minor">
@@ -2942,13 +2806,13 @@
     <dgm:sp3d/>
     <dgm:txPr/>
     <dgm:style>
-      <a:lnRef idx="2">
+      <a:lnRef idx="3">
         <a:scrgbClr r="0" g="0" b="0"/>
       </a:lnRef>
       <a:fillRef idx="1">
         <a:scrgbClr r="0" g="0" b="0"/>
       </a:fillRef>
-      <a:effectRef idx="0">
+      <a:effectRef idx="1">
         <a:scrgbClr r="0" g="0" b="0"/>
       </a:effectRef>
       <a:fontRef idx="minor">
@@ -2964,7 +2828,7 @@
     <dgm:sp3d/>
     <dgm:txPr/>
     <dgm:style>
-      <a:lnRef idx="2">
+      <a:lnRef idx="3">
         <a:scrgbClr r="0" g="0" b="0"/>
       </a:lnRef>
       <a:fillRef idx="1">
@@ -2992,7 +2856,7 @@
       <a:fillRef idx="1">
         <a:scrgbClr r="0" g="0" b="0"/>
       </a:fillRef>
-      <a:effectRef idx="0">
+      <a:effectRef idx="1">
         <a:scrgbClr r="0" g="0" b="0"/>
       </a:effectRef>
       <a:fontRef idx="minor">
@@ -3008,13 +2872,13 @@
     <dgm:sp3d/>
     <dgm:txPr/>
     <dgm:style>
-      <a:lnRef idx="2">
+      <a:lnRef idx="3">
         <a:scrgbClr r="0" g="0" b="0"/>
       </a:lnRef>
       <a:fillRef idx="1">
         <a:scrgbClr r="0" g="0" b="0"/>
       </a:fillRef>
-      <a:effectRef idx="0">
+      <a:effectRef idx="1">
         <a:scrgbClr r="0" g="0" b="0"/>
       </a:effectRef>
       <a:fontRef idx="minor">
@@ -3030,13 +2894,13 @@
     <dgm:sp3d/>
     <dgm:txPr/>
     <dgm:style>
-      <a:lnRef idx="2">
+      <a:lnRef idx="3">
         <a:scrgbClr r="0" g="0" b="0"/>
       </a:lnRef>
       <a:fillRef idx="1">
         <a:scrgbClr r="0" g="0" b="0"/>
       </a:fillRef>
-      <a:effectRef idx="0">
+      <a:effectRef idx="1">
         <a:scrgbClr r="0" g="0" b="0"/>
       </a:effectRef>
       <a:fontRef idx="minor">
@@ -3052,13 +2916,13 @@
     <dgm:sp3d/>
     <dgm:txPr/>
     <dgm:style>
-      <a:lnRef idx="2">
+      <a:lnRef idx="3">
         <a:scrgbClr r="0" g="0" b="0"/>
       </a:lnRef>
       <a:fillRef idx="1">
         <a:scrgbClr r="0" g="0" b="0"/>
       </a:fillRef>
-      <a:effectRef idx="0">
+      <a:effectRef idx="1">
         <a:scrgbClr r="0" g="0" b="0"/>
       </a:effectRef>
       <a:fontRef idx="minor">
@@ -3074,13 +2938,13 @@
     <dgm:sp3d/>
     <dgm:txPr/>
     <dgm:style>
-      <a:lnRef idx="2">
+      <a:lnRef idx="3">
         <a:scrgbClr r="0" g="0" b="0"/>
       </a:lnRef>
       <a:fillRef idx="1">
         <a:scrgbClr r="0" g="0" b="0"/>
       </a:fillRef>
-      <a:effectRef idx="0">
+      <a:effectRef idx="1">
         <a:scrgbClr r="0" g="0" b="0"/>
       </a:effectRef>
       <a:fontRef idx="minor">
@@ -3096,13 +2960,13 @@
     <dgm:sp3d/>
     <dgm:txPr/>
     <dgm:style>
-      <a:lnRef idx="2">
+      <a:lnRef idx="3">
         <a:scrgbClr r="0" g="0" b="0"/>
       </a:lnRef>
       <a:fillRef idx="1">
         <a:scrgbClr r="0" g="0" b="0"/>
       </a:fillRef>
-      <a:effectRef idx="0">
+      <a:effectRef idx="1">
         <a:scrgbClr r="0" g="0" b="0"/>
       </a:effectRef>
       <a:fontRef idx="minor"/>
@@ -3116,13 +2980,13 @@
     <dgm:sp3d/>
     <dgm:txPr/>
     <dgm:style>
-      <a:lnRef idx="2">
+      <a:lnRef idx="3">
         <a:scrgbClr r="0" g="0" b="0"/>
       </a:lnRef>
       <a:fillRef idx="1">
         <a:scrgbClr r="0" g="0" b="0"/>
       </a:fillRef>
-      <a:effectRef idx="0">
+      <a:effectRef idx="1">
         <a:scrgbClr r="0" g="0" b="0"/>
       </a:effectRef>
       <a:fontRef idx="minor"/>
@@ -3136,13 +3000,13 @@
     <dgm:sp3d/>
     <dgm:txPr/>
     <dgm:style>
-      <a:lnRef idx="2">
+      <a:lnRef idx="3">
         <a:scrgbClr r="0" g="0" b="0"/>
       </a:lnRef>
       <a:fillRef idx="1">
         <a:scrgbClr r="0" g="0" b="0"/>
       </a:fillRef>
-      <a:effectRef idx="0">
+      <a:effectRef idx="1">
         <a:scrgbClr r="0" g="0" b="0"/>
       </a:effectRef>
       <a:fontRef idx="minor"/>
@@ -3162,7 +3026,7 @@
       <a:fillRef idx="1">
         <a:scrgbClr r="0" g="0" b="0"/>
       </a:fillRef>
-      <a:effectRef idx="0">
+      <a:effectRef idx="1">
         <a:scrgbClr r="0" g="0" b="0"/>
       </a:effectRef>
       <a:fontRef idx="minor">
@@ -3184,7 +3048,7 @@
       <a:fillRef idx="1">
         <a:scrgbClr r="0" g="0" b="0"/>
       </a:fillRef>
-      <a:effectRef idx="0">
+      <a:effectRef idx="1">
         <a:scrgbClr r="0" g="0" b="0"/>
       </a:effectRef>
       <a:fontRef idx="minor">
@@ -3206,7 +3070,7 @@
       <a:fillRef idx="1">
         <a:scrgbClr r="0" g="0" b="0"/>
       </a:fillRef>
-      <a:effectRef idx="0">
+      <a:effectRef idx="1">
         <a:scrgbClr r="0" g="0" b="0"/>
       </a:effectRef>
       <a:fontRef idx="minor">
@@ -3248,7 +3112,7 @@
       <a:fillRef idx="1">
         <a:scrgbClr r="0" g="0" b="0"/>
       </a:fillRef>
-      <a:effectRef idx="0">
+      <a:effectRef idx="1">
         <a:scrgbClr r="0" g="0" b="0"/>
       </a:effectRef>
       <a:fontRef idx="minor"/>
@@ -3262,13 +3126,13 @@
     <dgm:sp3d/>
     <dgm:txPr/>
     <dgm:style>
-      <a:lnRef idx="2">
+      <a:lnRef idx="3">
         <a:scrgbClr r="0" g="0" b="0"/>
       </a:lnRef>
       <a:fillRef idx="1">
         <a:scrgbClr r="0" g="0" b="0"/>
       </a:fillRef>
-      <a:effectRef idx="0">
+      <a:effectRef idx="1">
         <a:scrgbClr r="0" g="0" b="0"/>
       </a:effectRef>
       <a:fontRef idx="minor">
@@ -3284,13 +3148,13 @@
     <dgm:sp3d/>
     <dgm:txPr/>
     <dgm:style>
-      <a:lnRef idx="2">
+      <a:lnRef idx="3">
         <a:scrgbClr r="0" g="0" b="0"/>
       </a:lnRef>
       <a:fillRef idx="1">
         <a:scrgbClr r="0" g="0" b="0"/>
       </a:fillRef>
-      <a:effectRef idx="0">
+      <a:effectRef idx="1">
         <a:scrgbClr r="0" g="0" b="0"/>
       </a:effectRef>
       <a:fontRef idx="minor">
@@ -3306,13 +3170,13 @@
     <dgm:sp3d/>
     <dgm:txPr/>
     <dgm:style>
-      <a:lnRef idx="2">
+      <a:lnRef idx="3">
         <a:scrgbClr r="0" g="0" b="0"/>
       </a:lnRef>
       <a:fillRef idx="1">
         <a:scrgbClr r="0" g="0" b="0"/>
       </a:fillRef>
-      <a:effectRef idx="0">
+      <a:effectRef idx="1">
         <a:scrgbClr r="0" g="0" b="0"/>
       </a:effectRef>
       <a:fontRef idx="minor">
@@ -3328,13 +3192,13 @@
     <dgm:sp3d/>
     <dgm:txPr/>
     <dgm:style>
-      <a:lnRef idx="2">
+      <a:lnRef idx="3">
         <a:scrgbClr r="0" g="0" b="0"/>
       </a:lnRef>
       <a:fillRef idx="1">
         <a:scrgbClr r="0" g="0" b="0"/>
       </a:fillRef>
-      <a:effectRef idx="0">
+      <a:effectRef idx="1">
         <a:scrgbClr r="0" g="0" b="0"/>
       </a:effectRef>
       <a:fontRef idx="minor">
@@ -3350,13 +3214,13 @@
     <dgm:sp3d/>
     <dgm:txPr/>
     <dgm:style>
-      <a:lnRef idx="2">
+      <a:lnRef idx="3">
         <a:scrgbClr r="0" g="0" b="0"/>
       </a:lnRef>
       <a:fillRef idx="1">
         <a:scrgbClr r="0" g="0" b="0"/>
       </a:fillRef>
-      <a:effectRef idx="0">
+      <a:effectRef idx="1">
         <a:scrgbClr r="0" g="0" b="0"/>
       </a:effectRef>
       <a:fontRef idx="minor">
@@ -3372,13 +3236,13 @@
     <dgm:sp3d/>
     <dgm:txPr/>
     <dgm:style>
-      <a:lnRef idx="2">
+      <a:lnRef idx="3">
         <a:scrgbClr r="0" g="0" b="0"/>
       </a:lnRef>
       <a:fillRef idx="1">
         <a:scrgbClr r="0" g="0" b="0"/>
       </a:fillRef>
-      <a:effectRef idx="0">
+      <a:effectRef idx="1">
         <a:scrgbClr r="0" g="0" b="0"/>
       </a:effectRef>
       <a:fontRef idx="minor">
@@ -3394,13 +3258,13 @@
     <dgm:sp3d/>
     <dgm:txPr/>
     <dgm:style>
-      <a:lnRef idx="2">
+      <a:lnRef idx="3">
         <a:scrgbClr r="0" g="0" b="0"/>
       </a:lnRef>
       <a:fillRef idx="1">
         <a:scrgbClr r="0" g="0" b="0"/>
       </a:fillRef>
-      <a:effectRef idx="0">
+      <a:effectRef idx="1">
         <a:scrgbClr r="0" g="0" b="0"/>
       </a:effectRef>
       <a:fontRef idx="minor">
@@ -3416,13 +3280,13 @@
     <dgm:sp3d/>
     <dgm:txPr/>
     <dgm:style>
-      <a:lnRef idx="2">
+      <a:lnRef idx="3">
         <a:scrgbClr r="0" g="0" b="0"/>
       </a:lnRef>
       <a:fillRef idx="1">
         <a:scrgbClr r="0" g="0" b="0"/>
       </a:fillRef>
-      <a:effectRef idx="0">
+      <a:effectRef idx="1">
         <a:scrgbClr r="0" g="0" b="0"/>
       </a:effectRef>
       <a:fontRef idx="minor">
@@ -3438,13 +3302,13 @@
     <dgm:sp3d/>
     <dgm:txPr/>
     <dgm:style>
-      <a:lnRef idx="2">
+      <a:lnRef idx="3">
         <a:scrgbClr r="0" g="0" b="0"/>
       </a:lnRef>
       <a:fillRef idx="1">
         <a:scrgbClr r="0" g="0" b="0"/>
       </a:fillRef>
-      <a:effectRef idx="0">
+      <a:effectRef idx="1">
         <a:scrgbClr r="0" g="0" b="0"/>
       </a:effectRef>
       <a:fontRef idx="minor">
@@ -3900,13 +3764,13 @@
     <dgm:sp3d/>
     <dgm:txPr/>
     <dgm:style>
-      <a:lnRef idx="2">
+      <a:lnRef idx="3">
         <a:scrgbClr r="0" g="0" b="0"/>
       </a:lnRef>
       <a:fillRef idx="1">
         <a:scrgbClr r="0" g="0" b="0"/>
       </a:fillRef>
-      <a:effectRef idx="0">
+      <a:effectRef idx="1">
         <a:scrgbClr r="0" g="0" b="0"/>
       </a:effectRef>
       <a:fontRef idx="minor"/>
@@ -4029,7 +3893,7 @@
           <a:p>
             <a:fld id="{F352A77B-D33C-49B3-A83C-450AA2ED72B3}" type="datetimeFigureOut">
               <a:rPr lang="en-US" smtClean="0"/>
-              <a:t>6/22/2022</a:t>
+              <a:t>7/12/2022</a:t>
             </a:fld>
             <a:endParaRPr lang="en-US" dirty="0"/>
           </a:p>
@@ -4206,7 +4070,7 @@
           <a:p>
             <a:fld id="{E38D8F9A-F5CB-4EF8-A859-ED5E107B9763}" type="datetimeFigureOut">
               <a:rPr lang="en-US" smtClean="0"/>
-              <a:t>6/22/2022</a:t>
+              <a:t>7/11/2022</a:t>
             </a:fld>
             <a:endParaRPr lang="en-US" dirty="0"/>
           </a:p>
@@ -4604,7 +4468,7 @@
           <a:p>
             <a:fld id="{536173C1-8A70-4D70-9803-DA7B890BDDDB}" type="datetimeFigureOut">
               <a:rPr lang="en-US" smtClean="0"/>
-              <a:t>6/22/2022</a:t>
+              <a:t>7/11/2022</a:t>
             </a:fld>
             <a:endParaRPr lang="en-US"/>
           </a:p>
@@ -10844,10 +10708,7 @@
                 <a:spcPts val="600"/>
               </a:spcAft>
             </a:pPr>
-            <a:r>
-              <a:rPr lang="en-US"/>
-              <a:t>Pitch Deck</a:t>
-            </a:r>
+            <a:endParaRPr lang="en-US" dirty="0"/>
           </a:p>
         </p:txBody>
       </p:sp>
@@ -11806,10 +11667,10 @@
       </p:grpSpPr>
       <p:sp useBgFill="1">
         <p:nvSpPr>
-          <p:cNvPr id="22" name="Rectangle 17">
+          <p:cNvPr id="33" name="Rectangle 32">
             <a:extLst>
               <a:ext uri="{FF2B5EF4-FFF2-40B4-BE49-F238E27FC236}">
-                <a16:creationId xmlns:a16="http://schemas.microsoft.com/office/drawing/2014/main" id="{665DBBEF-238B-476B-96AB-8AAC3224ECEA}"/>
+                <a16:creationId xmlns:a16="http://schemas.microsoft.com/office/drawing/2014/main" id="{45D37F4E-DDB4-456B-97E0-9937730A039F}"/>
               </a:ext>
               <a:ext uri="{C183D7F6-B498-43B3-948B-1728B52AA6E4}">
                 <adec:decorative xmlns:adec="http://schemas.microsoft.com/office/drawing/2017/decorative" val="1"/>
@@ -11830,7 +11691,7 @@
         <p:spPr>
           <a:xfrm>
             <a:off x="0" y="0"/>
-            <a:ext cx="12192000" cy="6858000"/>
+            <a:ext cx="12188952" cy="6858000"/>
           </a:xfrm>
           <a:prstGeom prst="rect">
             <a:avLst/>
@@ -11882,8 +11743,8 @@
         </p:nvSpPr>
         <p:spPr>
           <a:xfrm>
-            <a:off x="638882" y="639193"/>
-            <a:ext cx="3571810" cy="3573516"/>
+            <a:off x="572493" y="238539"/>
+            <a:ext cx="11018520" cy="1434415"/>
           </a:xfrm>
         </p:spPr>
         <p:txBody>
@@ -11893,10 +11754,7 @@
           <a:lstStyle/>
           <a:p>
             <a:r>
-              <a:rPr lang="en-US" sz="6600" kern="1200">
-                <a:solidFill>
-                  <a:schemeClr val="tx1"/>
-                </a:solidFill>
+              <a:rPr lang="en-US" sz="5400" kern="1200" dirty="0">
                 <a:latin typeface="+mj-lt"/>
                 <a:ea typeface="+mj-ea"/>
                 <a:cs typeface="+mj-cs"/>
@@ -11908,10 +11766,10 @@
       </p:sp>
       <p:sp>
         <p:nvSpPr>
-          <p:cNvPr id="23" name="sketch line">
+          <p:cNvPr id="35" name="sketchy line">
             <a:extLst>
               <a:ext uri="{FF2B5EF4-FFF2-40B4-BE49-F238E27FC236}">
-                <a16:creationId xmlns:a16="http://schemas.microsoft.com/office/drawing/2014/main" id="{3FCFB1DE-0B7E-48CC-BA90-B2AB0889F9D6}"/>
+                <a16:creationId xmlns:a16="http://schemas.microsoft.com/office/drawing/2014/main" id="{B2DD41CD-8F47-4F56-AD12-4E2FF7696987}"/>
               </a:ext>
               <a:ext uri="{C183D7F6-B498-43B3-948B-1728B52AA6E4}">
                 <adec:decorative xmlns:adec="http://schemas.microsoft.com/office/drawing/2017/decorative" val="1"/>
@@ -11931,36 +11789,88 @@
         </p:nvSpPr>
         <p:spPr>
           <a:xfrm>
-            <a:off x="643278" y="4409267"/>
-            <a:ext cx="3255095" cy="18288"/>
+            <a:off x="572493" y="1681544"/>
+            <a:ext cx="10972800" cy="18288"/>
           </a:xfrm>
           <a:custGeom>
             <a:avLst/>
             <a:gdLst>
-              <a:gd name="connsiteX0" fmla="*/ 0 w 3255095"/>
+              <a:gd name="connsiteX0" fmla="*/ 0 w 10972800"/>
               <a:gd name="connsiteY0" fmla="*/ 0 h 18288"/>
-              <a:gd name="connsiteX1" fmla="*/ 618468 w 3255095"/>
+              <a:gd name="connsiteX1" fmla="*/ 356616 w 10972800"/>
               <a:gd name="connsiteY1" fmla="*/ 0 h 18288"/>
-              <a:gd name="connsiteX2" fmla="*/ 1269487 w 3255095"/>
+              <a:gd name="connsiteX2" fmla="*/ 1042416 w 10972800"/>
               <a:gd name="connsiteY2" fmla="*/ 0 h 18288"/>
-              <a:gd name="connsiteX3" fmla="*/ 1953057 w 3255095"/>
+              <a:gd name="connsiteX3" fmla="*/ 1947672 w 10972800"/>
               <a:gd name="connsiteY3" fmla="*/ 0 h 18288"/>
-              <a:gd name="connsiteX4" fmla="*/ 2636627 w 3255095"/>
+              <a:gd name="connsiteX4" fmla="*/ 2633472 w 10972800"/>
               <a:gd name="connsiteY4" fmla="*/ 0 h 18288"/>
-              <a:gd name="connsiteX5" fmla="*/ 3255095 w 3255095"/>
+              <a:gd name="connsiteX5" fmla="*/ 2990088 w 10972800"/>
               <a:gd name="connsiteY5" fmla="*/ 0 h 18288"/>
-              <a:gd name="connsiteX6" fmla="*/ 3255095 w 3255095"/>
-              <a:gd name="connsiteY6" fmla="*/ 18288 h 18288"/>
-              <a:gd name="connsiteX7" fmla="*/ 2538974 w 3255095"/>
-              <a:gd name="connsiteY7" fmla="*/ 18288 h 18288"/>
-              <a:gd name="connsiteX8" fmla="*/ 1822853 w 3255095"/>
-              <a:gd name="connsiteY8" fmla="*/ 18288 h 18288"/>
-              <a:gd name="connsiteX9" fmla="*/ 1171834 w 3255095"/>
-              <a:gd name="connsiteY9" fmla="*/ 18288 h 18288"/>
-              <a:gd name="connsiteX10" fmla="*/ 0 w 3255095"/>
-              <a:gd name="connsiteY10" fmla="*/ 18288 h 18288"/>
-              <a:gd name="connsiteX11" fmla="*/ 0 w 3255095"/>
+              <a:gd name="connsiteX6" fmla="*/ 3456432 w 10972800"/>
+              <a:gd name="connsiteY6" fmla="*/ 0 h 18288"/>
+              <a:gd name="connsiteX7" fmla="*/ 4361688 w 10972800"/>
+              <a:gd name="connsiteY7" fmla="*/ 0 h 18288"/>
+              <a:gd name="connsiteX8" fmla="*/ 5266944 w 10972800"/>
+              <a:gd name="connsiteY8" fmla="*/ 0 h 18288"/>
+              <a:gd name="connsiteX9" fmla="*/ 6172200 w 10972800"/>
+              <a:gd name="connsiteY9" fmla="*/ 0 h 18288"/>
+              <a:gd name="connsiteX10" fmla="*/ 6528816 w 10972800"/>
+              <a:gd name="connsiteY10" fmla="*/ 0 h 18288"/>
+              <a:gd name="connsiteX11" fmla="*/ 7214616 w 10972800"/>
               <a:gd name="connsiteY11" fmla="*/ 0 h 18288"/>
+              <a:gd name="connsiteX12" fmla="*/ 7790688 w 10972800"/>
+              <a:gd name="connsiteY12" fmla="*/ 0 h 18288"/>
+              <a:gd name="connsiteX13" fmla="*/ 8147304 w 10972800"/>
+              <a:gd name="connsiteY13" fmla="*/ 0 h 18288"/>
+              <a:gd name="connsiteX14" fmla="*/ 9052560 w 10972800"/>
+              <a:gd name="connsiteY14" fmla="*/ 0 h 18288"/>
+              <a:gd name="connsiteX15" fmla="*/ 9409176 w 10972800"/>
+              <a:gd name="connsiteY15" fmla="*/ 0 h 18288"/>
+              <a:gd name="connsiteX16" fmla="*/ 9765792 w 10972800"/>
+              <a:gd name="connsiteY16" fmla="*/ 0 h 18288"/>
+              <a:gd name="connsiteX17" fmla="*/ 10341864 w 10972800"/>
+              <a:gd name="connsiteY17" fmla="*/ 0 h 18288"/>
+              <a:gd name="connsiteX18" fmla="*/ 10972800 w 10972800"/>
+              <a:gd name="connsiteY18" fmla="*/ 0 h 18288"/>
+              <a:gd name="connsiteX19" fmla="*/ 10972800 w 10972800"/>
+              <a:gd name="connsiteY19" fmla="*/ 18288 h 18288"/>
+              <a:gd name="connsiteX20" fmla="*/ 10177272 w 10972800"/>
+              <a:gd name="connsiteY20" fmla="*/ 18288 h 18288"/>
+              <a:gd name="connsiteX21" fmla="*/ 9820656 w 10972800"/>
+              <a:gd name="connsiteY21" fmla="*/ 18288 h 18288"/>
+              <a:gd name="connsiteX22" fmla="*/ 9464040 w 10972800"/>
+              <a:gd name="connsiteY22" fmla="*/ 18288 h 18288"/>
+              <a:gd name="connsiteX23" fmla="*/ 8778240 w 10972800"/>
+              <a:gd name="connsiteY23" fmla="*/ 18288 h 18288"/>
+              <a:gd name="connsiteX24" fmla="*/ 8421624 w 10972800"/>
+              <a:gd name="connsiteY24" fmla="*/ 18288 h 18288"/>
+              <a:gd name="connsiteX25" fmla="*/ 7735824 w 10972800"/>
+              <a:gd name="connsiteY25" fmla="*/ 18288 h 18288"/>
+              <a:gd name="connsiteX26" fmla="*/ 6940296 w 10972800"/>
+              <a:gd name="connsiteY26" fmla="*/ 18288 h 18288"/>
+              <a:gd name="connsiteX27" fmla="*/ 6254496 w 10972800"/>
+              <a:gd name="connsiteY27" fmla="*/ 18288 h 18288"/>
+              <a:gd name="connsiteX28" fmla="*/ 5458968 w 10972800"/>
+              <a:gd name="connsiteY28" fmla="*/ 18288 h 18288"/>
+              <a:gd name="connsiteX29" fmla="*/ 4663440 w 10972800"/>
+              <a:gd name="connsiteY29" fmla="*/ 18288 h 18288"/>
+              <a:gd name="connsiteX30" fmla="*/ 4306824 w 10972800"/>
+              <a:gd name="connsiteY30" fmla="*/ 18288 h 18288"/>
+              <a:gd name="connsiteX31" fmla="*/ 3840480 w 10972800"/>
+              <a:gd name="connsiteY31" fmla="*/ 18288 h 18288"/>
+              <a:gd name="connsiteX32" fmla="*/ 3264408 w 10972800"/>
+              <a:gd name="connsiteY32" fmla="*/ 18288 h 18288"/>
+              <a:gd name="connsiteX33" fmla="*/ 2578608 w 10972800"/>
+              <a:gd name="connsiteY33" fmla="*/ 18288 h 18288"/>
+              <a:gd name="connsiteX34" fmla="*/ 1673352 w 10972800"/>
+              <a:gd name="connsiteY34" fmla="*/ 18288 h 18288"/>
+              <a:gd name="connsiteX35" fmla="*/ 877824 w 10972800"/>
+              <a:gd name="connsiteY35" fmla="*/ 18288 h 18288"/>
+              <a:gd name="connsiteX36" fmla="*/ 0 w 10972800"/>
+              <a:gd name="connsiteY36" fmla="*/ 18288 h 18288"/>
+              <a:gd name="connsiteX37" fmla="*/ 0 w 10972800"/>
+              <a:gd name="connsiteY37" fmla="*/ 0 h 18288"/>
             </a:gdLst>
             <a:ahLst/>
             <a:cxnLst>
@@ -12000,132 +11910,465 @@
               <a:cxn ang="0">
                 <a:pos x="connsiteX11" y="connsiteY11"/>
               </a:cxn>
+              <a:cxn ang="0">
+                <a:pos x="connsiteX12" y="connsiteY12"/>
+              </a:cxn>
+              <a:cxn ang="0">
+                <a:pos x="connsiteX13" y="connsiteY13"/>
+              </a:cxn>
+              <a:cxn ang="0">
+                <a:pos x="connsiteX14" y="connsiteY14"/>
+              </a:cxn>
+              <a:cxn ang="0">
+                <a:pos x="connsiteX15" y="connsiteY15"/>
+              </a:cxn>
+              <a:cxn ang="0">
+                <a:pos x="connsiteX16" y="connsiteY16"/>
+              </a:cxn>
+              <a:cxn ang="0">
+                <a:pos x="connsiteX17" y="connsiteY17"/>
+              </a:cxn>
+              <a:cxn ang="0">
+                <a:pos x="connsiteX18" y="connsiteY18"/>
+              </a:cxn>
+              <a:cxn ang="0">
+                <a:pos x="connsiteX19" y="connsiteY19"/>
+              </a:cxn>
+              <a:cxn ang="0">
+                <a:pos x="connsiteX20" y="connsiteY20"/>
+              </a:cxn>
+              <a:cxn ang="0">
+                <a:pos x="connsiteX21" y="connsiteY21"/>
+              </a:cxn>
+              <a:cxn ang="0">
+                <a:pos x="connsiteX22" y="connsiteY22"/>
+              </a:cxn>
+              <a:cxn ang="0">
+                <a:pos x="connsiteX23" y="connsiteY23"/>
+              </a:cxn>
+              <a:cxn ang="0">
+                <a:pos x="connsiteX24" y="connsiteY24"/>
+              </a:cxn>
+              <a:cxn ang="0">
+                <a:pos x="connsiteX25" y="connsiteY25"/>
+              </a:cxn>
+              <a:cxn ang="0">
+                <a:pos x="connsiteX26" y="connsiteY26"/>
+              </a:cxn>
+              <a:cxn ang="0">
+                <a:pos x="connsiteX27" y="connsiteY27"/>
+              </a:cxn>
+              <a:cxn ang="0">
+                <a:pos x="connsiteX28" y="connsiteY28"/>
+              </a:cxn>
+              <a:cxn ang="0">
+                <a:pos x="connsiteX29" y="connsiteY29"/>
+              </a:cxn>
+              <a:cxn ang="0">
+                <a:pos x="connsiteX30" y="connsiteY30"/>
+              </a:cxn>
+              <a:cxn ang="0">
+                <a:pos x="connsiteX31" y="connsiteY31"/>
+              </a:cxn>
+              <a:cxn ang="0">
+                <a:pos x="connsiteX32" y="connsiteY32"/>
+              </a:cxn>
+              <a:cxn ang="0">
+                <a:pos x="connsiteX33" y="connsiteY33"/>
+              </a:cxn>
+              <a:cxn ang="0">
+                <a:pos x="connsiteX34" y="connsiteY34"/>
+              </a:cxn>
+              <a:cxn ang="0">
+                <a:pos x="connsiteX35" y="connsiteY35"/>
+              </a:cxn>
+              <a:cxn ang="0">
+                <a:pos x="connsiteX36" y="connsiteY36"/>
+              </a:cxn>
+              <a:cxn ang="0">
+                <a:pos x="connsiteX37" y="connsiteY37"/>
+              </a:cxn>
             </a:cxnLst>
             <a:rect l="l" t="t" r="r" b="b"/>
             <a:pathLst>
-              <a:path w="3255095" h="18288" fill="none" extrusionOk="0">
+              <a:path w="10972800" h="18288" fill="none" extrusionOk="0">
                 <a:moveTo>
                   <a:pt x="0" y="0"/>
                 </a:moveTo>
                 <a:cubicBezTo>
-                  <a:pt x="240201" y="-22123"/>
-                  <a:pt x="462021" y="-19623"/>
-                  <a:pt x="618468" y="0"/>
-                </a:cubicBezTo>
-                <a:cubicBezTo>
-                  <a:pt x="774915" y="19623"/>
-                  <a:pt x="974734" y="2035"/>
-                  <a:pt x="1269487" y="0"/>
-                </a:cubicBezTo>
-                <a:cubicBezTo>
-                  <a:pt x="1564240" y="-2035"/>
-                  <a:pt x="1733579" y="10639"/>
-                  <a:pt x="1953057" y="0"/>
-                </a:cubicBezTo>
-                <a:cubicBezTo>
-                  <a:pt x="2172535" y="-10639"/>
-                  <a:pt x="2453962" y="14018"/>
-                  <a:pt x="2636627" y="0"/>
-                </a:cubicBezTo>
-                <a:cubicBezTo>
-                  <a:pt x="2819292" y="-14018"/>
-                  <a:pt x="3121375" y="5399"/>
-                  <a:pt x="3255095" y="0"/>
-                </a:cubicBezTo>
-                <a:cubicBezTo>
-                  <a:pt x="3254386" y="8157"/>
-                  <a:pt x="3254682" y="12125"/>
-                  <a:pt x="3255095" y="18288"/>
-                </a:cubicBezTo>
-                <a:cubicBezTo>
-                  <a:pt x="3088545" y="23203"/>
-                  <a:pt x="2687475" y="7419"/>
-                  <a:pt x="2538974" y="18288"/>
-                </a:cubicBezTo>
-                <a:cubicBezTo>
-                  <a:pt x="2390473" y="29157"/>
-                  <a:pt x="2137381" y="-8959"/>
-                  <a:pt x="1822853" y="18288"/>
-                </a:cubicBezTo>
-                <a:cubicBezTo>
-                  <a:pt x="1508325" y="45535"/>
-                  <a:pt x="1466437" y="20385"/>
-                  <a:pt x="1171834" y="18288"/>
-                </a:cubicBezTo>
-                <a:cubicBezTo>
-                  <a:pt x="877231" y="16191"/>
-                  <a:pt x="561097" y="37643"/>
+                  <a:pt x="165916" y="-1866"/>
+                  <a:pt x="188720" y="13756"/>
+                  <a:pt x="356616" y="0"/>
+                </a:cubicBezTo>
+                <a:cubicBezTo>
+                  <a:pt x="524512" y="-13756"/>
+                  <a:pt x="734781" y="8922"/>
+                  <a:pt x="1042416" y="0"/>
+                </a:cubicBezTo>
+                <a:cubicBezTo>
+                  <a:pt x="1350051" y="-8922"/>
+                  <a:pt x="1595982" y="-26315"/>
+                  <a:pt x="1947672" y="0"/>
+                </a:cubicBezTo>
+                <a:cubicBezTo>
+                  <a:pt x="2299362" y="26315"/>
+                  <a:pt x="2292691" y="-19526"/>
+                  <a:pt x="2633472" y="0"/>
+                </a:cubicBezTo>
+                <a:cubicBezTo>
+                  <a:pt x="2974253" y="19526"/>
+                  <a:pt x="2857309" y="10773"/>
+                  <a:pt x="2990088" y="0"/>
+                </a:cubicBezTo>
+                <a:cubicBezTo>
+                  <a:pt x="3122867" y="-10773"/>
+                  <a:pt x="3359343" y="7194"/>
+                  <a:pt x="3456432" y="0"/>
+                </a:cubicBezTo>
+                <a:cubicBezTo>
+                  <a:pt x="3553521" y="-7194"/>
+                  <a:pt x="4136258" y="5108"/>
+                  <a:pt x="4361688" y="0"/>
+                </a:cubicBezTo>
+                <a:cubicBezTo>
+                  <a:pt x="4587118" y="-5108"/>
+                  <a:pt x="4992424" y="-42958"/>
+                  <a:pt x="5266944" y="0"/>
+                </a:cubicBezTo>
+                <a:cubicBezTo>
+                  <a:pt x="5541464" y="42958"/>
+                  <a:pt x="5882966" y="-3430"/>
+                  <a:pt x="6172200" y="0"/>
+                </a:cubicBezTo>
+                <a:cubicBezTo>
+                  <a:pt x="6461434" y="3430"/>
+                  <a:pt x="6432127" y="6688"/>
+                  <a:pt x="6528816" y="0"/>
+                </a:cubicBezTo>
+                <a:cubicBezTo>
+                  <a:pt x="6625505" y="-6688"/>
+                  <a:pt x="6916805" y="-436"/>
+                  <a:pt x="7214616" y="0"/>
+                </a:cubicBezTo>
+                <a:cubicBezTo>
+                  <a:pt x="7512427" y="436"/>
+                  <a:pt x="7626159" y="-6909"/>
+                  <a:pt x="7790688" y="0"/>
+                </a:cubicBezTo>
+                <a:cubicBezTo>
+                  <a:pt x="7955217" y="6909"/>
+                  <a:pt x="8048891" y="15307"/>
+                  <a:pt x="8147304" y="0"/>
+                </a:cubicBezTo>
+                <a:cubicBezTo>
+                  <a:pt x="8245717" y="-15307"/>
+                  <a:pt x="8645618" y="-11734"/>
+                  <a:pt x="9052560" y="0"/>
+                </a:cubicBezTo>
+                <a:cubicBezTo>
+                  <a:pt x="9459502" y="11734"/>
+                  <a:pt x="9320584" y="8388"/>
+                  <a:pt x="9409176" y="0"/>
+                </a:cubicBezTo>
+                <a:cubicBezTo>
+                  <a:pt x="9497768" y="-8388"/>
+                  <a:pt x="9644192" y="8379"/>
+                  <a:pt x="9765792" y="0"/>
+                </a:cubicBezTo>
+                <a:cubicBezTo>
+                  <a:pt x="9887392" y="-8379"/>
+                  <a:pt x="10105220" y="-12663"/>
+                  <a:pt x="10341864" y="0"/>
+                </a:cubicBezTo>
+                <a:cubicBezTo>
+                  <a:pt x="10578508" y="12663"/>
+                  <a:pt x="10773103" y="-5786"/>
+                  <a:pt x="10972800" y="0"/>
+                </a:cubicBezTo>
+                <a:cubicBezTo>
+                  <a:pt x="10972146" y="8818"/>
+                  <a:pt x="10972240" y="13823"/>
+                  <a:pt x="10972800" y="18288"/>
+                </a:cubicBezTo>
+                <a:cubicBezTo>
+                  <a:pt x="10588778" y="31598"/>
+                  <a:pt x="10543381" y="-12698"/>
+                  <a:pt x="10177272" y="18288"/>
+                </a:cubicBezTo>
+                <a:cubicBezTo>
+                  <a:pt x="9811163" y="49274"/>
+                  <a:pt x="9996817" y="25662"/>
+                  <a:pt x="9820656" y="18288"/>
+                </a:cubicBezTo>
+                <a:cubicBezTo>
+                  <a:pt x="9644495" y="10914"/>
+                  <a:pt x="9607007" y="31631"/>
+                  <a:pt x="9464040" y="18288"/>
+                </a:cubicBezTo>
+                <a:cubicBezTo>
+                  <a:pt x="9321073" y="4945"/>
+                  <a:pt x="9114189" y="28940"/>
+                  <a:pt x="8778240" y="18288"/>
+                </a:cubicBezTo>
+                <a:cubicBezTo>
+                  <a:pt x="8442291" y="7636"/>
+                  <a:pt x="8594763" y="987"/>
+                  <a:pt x="8421624" y="18288"/>
+                </a:cubicBezTo>
+                <a:cubicBezTo>
+                  <a:pt x="8248485" y="35589"/>
+                  <a:pt x="7929515" y="37573"/>
+                  <a:pt x="7735824" y="18288"/>
+                </a:cubicBezTo>
+                <a:cubicBezTo>
+                  <a:pt x="7542133" y="-997"/>
+                  <a:pt x="7252504" y="33858"/>
+                  <a:pt x="6940296" y="18288"/>
+                </a:cubicBezTo>
+                <a:cubicBezTo>
+                  <a:pt x="6628088" y="2718"/>
+                  <a:pt x="6528503" y="48389"/>
+                  <a:pt x="6254496" y="18288"/>
+                </a:cubicBezTo>
+                <a:cubicBezTo>
+                  <a:pt x="5980489" y="-11813"/>
+                  <a:pt x="5695784" y="-3740"/>
+                  <a:pt x="5458968" y="18288"/>
+                </a:cubicBezTo>
+                <a:cubicBezTo>
+                  <a:pt x="5222152" y="40316"/>
+                  <a:pt x="5010751" y="19095"/>
+                  <a:pt x="4663440" y="18288"/>
+                </a:cubicBezTo>
+                <a:cubicBezTo>
+                  <a:pt x="4316129" y="17481"/>
+                  <a:pt x="4425552" y="1606"/>
+                  <a:pt x="4306824" y="18288"/>
+                </a:cubicBezTo>
+                <a:cubicBezTo>
+                  <a:pt x="4188096" y="34970"/>
+                  <a:pt x="3941535" y="7481"/>
+                  <a:pt x="3840480" y="18288"/>
+                </a:cubicBezTo>
+                <a:cubicBezTo>
+                  <a:pt x="3739425" y="29095"/>
+                  <a:pt x="3402388" y="17641"/>
+                  <a:pt x="3264408" y="18288"/>
+                </a:cubicBezTo>
+                <a:cubicBezTo>
+                  <a:pt x="3126428" y="18935"/>
+                  <a:pt x="2776779" y="9983"/>
+                  <a:pt x="2578608" y="18288"/>
+                </a:cubicBezTo>
+                <a:cubicBezTo>
+                  <a:pt x="2380437" y="26593"/>
+                  <a:pt x="1909468" y="25818"/>
+                  <a:pt x="1673352" y="18288"/>
+                </a:cubicBezTo>
+                <a:cubicBezTo>
+                  <a:pt x="1437236" y="10758"/>
+                  <a:pt x="1131180" y="49884"/>
+                  <a:pt x="877824" y="18288"/>
+                </a:cubicBezTo>
+                <a:cubicBezTo>
+                  <a:pt x="624468" y="-13308"/>
+                  <a:pt x="206753" y="2195"/>
                   <a:pt x="0" y="18288"/>
                 </a:cubicBezTo>
                 <a:cubicBezTo>
-                  <a:pt x="-46" y="12483"/>
-                  <a:pt x="-203" y="6491"/>
+                  <a:pt x="313" y="10654"/>
+                  <a:pt x="-263" y="4056"/>
                   <a:pt x="0" y="0"/>
                 </a:cubicBezTo>
                 <a:close/>
               </a:path>
-              <a:path w="3255095" h="18288" stroke="0" extrusionOk="0">
+              <a:path w="10972800" h="18288" stroke="0" extrusionOk="0">
                 <a:moveTo>
                   <a:pt x="0" y="0"/>
                 </a:moveTo>
                 <a:cubicBezTo>
-                  <a:pt x="291965" y="19429"/>
-                  <a:pt x="363155" y="8568"/>
-                  <a:pt x="618468" y="0"/>
-                </a:cubicBezTo>
-                <a:cubicBezTo>
-                  <a:pt x="873781" y="-8568"/>
-                  <a:pt x="904459" y="-19505"/>
-                  <a:pt x="1171834" y="0"/>
-                </a:cubicBezTo>
-                <a:cubicBezTo>
-                  <a:pt x="1439209" y="19505"/>
-                  <a:pt x="1744369" y="9790"/>
-                  <a:pt x="1887955" y="0"/>
-                </a:cubicBezTo>
-                <a:cubicBezTo>
-                  <a:pt x="2031541" y="-9790"/>
-                  <a:pt x="2346378" y="21240"/>
-                  <a:pt x="2506423" y="0"/>
-                </a:cubicBezTo>
-                <a:cubicBezTo>
-                  <a:pt x="2666468" y="-21240"/>
-                  <a:pt x="2990257" y="30414"/>
-                  <a:pt x="3255095" y="0"/>
-                </a:cubicBezTo>
-                <a:cubicBezTo>
-                  <a:pt x="3254831" y="4493"/>
-                  <a:pt x="3255479" y="9472"/>
-                  <a:pt x="3255095" y="18288"/>
-                </a:cubicBezTo>
-                <a:cubicBezTo>
-                  <a:pt x="3120743" y="16690"/>
-                  <a:pt x="2759628" y="42462"/>
-                  <a:pt x="2604076" y="18288"/>
-                </a:cubicBezTo>
-                <a:cubicBezTo>
-                  <a:pt x="2448524" y="-5886"/>
-                  <a:pt x="2184336" y="19599"/>
-                  <a:pt x="1887955" y="18288"/>
-                </a:cubicBezTo>
-                <a:cubicBezTo>
-                  <a:pt x="1591574" y="16977"/>
-                  <a:pt x="1548845" y="6870"/>
-                  <a:pt x="1334589" y="18288"/>
-                </a:cubicBezTo>
-                <a:cubicBezTo>
-                  <a:pt x="1120333" y="29706"/>
-                  <a:pt x="996014" y="9662"/>
-                  <a:pt x="683570" y="18288"/>
-                </a:cubicBezTo>
-                <a:cubicBezTo>
-                  <a:pt x="371126" y="26914"/>
-                  <a:pt x="198687" y="16167"/>
+                  <a:pt x="164017" y="-17675"/>
+                  <a:pt x="309425" y="9913"/>
+                  <a:pt x="466344" y="0"/>
+                </a:cubicBezTo>
+                <a:cubicBezTo>
+                  <a:pt x="623263" y="-9913"/>
+                  <a:pt x="659300" y="-14524"/>
+                  <a:pt x="822960" y="0"/>
+                </a:cubicBezTo>
+                <a:cubicBezTo>
+                  <a:pt x="986620" y="14524"/>
+                  <a:pt x="1105222" y="-16481"/>
+                  <a:pt x="1289304" y="0"/>
+                </a:cubicBezTo>
+                <a:cubicBezTo>
+                  <a:pt x="1473386" y="16481"/>
+                  <a:pt x="1693223" y="26161"/>
+                  <a:pt x="1975104" y="0"/>
+                </a:cubicBezTo>
+                <a:cubicBezTo>
+                  <a:pt x="2256985" y="-26161"/>
+                  <a:pt x="2435781" y="23061"/>
+                  <a:pt x="2770632" y="0"/>
+                </a:cubicBezTo>
+                <a:cubicBezTo>
+                  <a:pt x="3105483" y="-23061"/>
+                  <a:pt x="3247479" y="-44011"/>
+                  <a:pt x="3675888" y="0"/>
+                </a:cubicBezTo>
+                <a:cubicBezTo>
+                  <a:pt x="4104297" y="44011"/>
+                  <a:pt x="4280918" y="4017"/>
+                  <a:pt x="4581144" y="0"/>
+                </a:cubicBezTo>
+                <a:cubicBezTo>
+                  <a:pt x="4881370" y="-4017"/>
+                  <a:pt x="5021699" y="-11889"/>
+                  <a:pt x="5157216" y="0"/>
+                </a:cubicBezTo>
+                <a:cubicBezTo>
+                  <a:pt x="5292733" y="11889"/>
+                  <a:pt x="5603398" y="-17698"/>
+                  <a:pt x="5952744" y="0"/>
+                </a:cubicBezTo>
+                <a:cubicBezTo>
+                  <a:pt x="6302090" y="17698"/>
+                  <a:pt x="6353093" y="-11909"/>
+                  <a:pt x="6638544" y="0"/>
+                </a:cubicBezTo>
+                <a:cubicBezTo>
+                  <a:pt x="6923995" y="11909"/>
+                  <a:pt x="7053404" y="21630"/>
+                  <a:pt x="7214616" y="0"/>
+                </a:cubicBezTo>
+                <a:cubicBezTo>
+                  <a:pt x="7375828" y="-21630"/>
+                  <a:pt x="7837963" y="3886"/>
+                  <a:pt x="8010144" y="0"/>
+                </a:cubicBezTo>
+                <a:cubicBezTo>
+                  <a:pt x="8182325" y="-3886"/>
+                  <a:pt x="8224183" y="16009"/>
+                  <a:pt x="8366760" y="0"/>
+                </a:cubicBezTo>
+                <a:cubicBezTo>
+                  <a:pt x="8509337" y="-16009"/>
+                  <a:pt x="8687920" y="-5720"/>
+                  <a:pt x="8942832" y="0"/>
+                </a:cubicBezTo>
+                <a:cubicBezTo>
+                  <a:pt x="9197744" y="5720"/>
+                  <a:pt x="9368437" y="20479"/>
+                  <a:pt x="9628632" y="0"/>
+                </a:cubicBezTo>
+                <a:cubicBezTo>
+                  <a:pt x="9888827" y="-20479"/>
+                  <a:pt x="10560858" y="-20746"/>
+                  <a:pt x="10972800" y="0"/>
+                </a:cubicBezTo>
+                <a:cubicBezTo>
+                  <a:pt x="10972186" y="5722"/>
+                  <a:pt x="10972980" y="12495"/>
+                  <a:pt x="10972800" y="18288"/>
+                </a:cubicBezTo>
+                <a:cubicBezTo>
+                  <a:pt x="10786146" y="12536"/>
+                  <a:pt x="10623717" y="14033"/>
+                  <a:pt x="10506456" y="18288"/>
+                </a:cubicBezTo>
+                <a:cubicBezTo>
+                  <a:pt x="10389195" y="22543"/>
+                  <a:pt x="10296178" y="20107"/>
+                  <a:pt x="10149840" y="18288"/>
+                </a:cubicBezTo>
+                <a:cubicBezTo>
+                  <a:pt x="10003502" y="16469"/>
+                  <a:pt x="9767530" y="28891"/>
+                  <a:pt x="9464040" y="18288"/>
+                </a:cubicBezTo>
+                <a:cubicBezTo>
+                  <a:pt x="9160550" y="7685"/>
+                  <a:pt x="9229050" y="2659"/>
+                  <a:pt x="8997696" y="18288"/>
+                </a:cubicBezTo>
+                <a:cubicBezTo>
+                  <a:pt x="8766342" y="33917"/>
+                  <a:pt x="8340136" y="34864"/>
+                  <a:pt x="8092440" y="18288"/>
+                </a:cubicBezTo>
+                <a:cubicBezTo>
+                  <a:pt x="7844744" y="1712"/>
+                  <a:pt x="7863720" y="27405"/>
+                  <a:pt x="7735824" y="18288"/>
+                </a:cubicBezTo>
+                <a:cubicBezTo>
+                  <a:pt x="7607928" y="9171"/>
+                  <a:pt x="7323619" y="461"/>
+                  <a:pt x="7050024" y="18288"/>
+                </a:cubicBezTo>
+                <a:cubicBezTo>
+                  <a:pt x="6776429" y="36115"/>
+                  <a:pt x="6787899" y="28206"/>
+                  <a:pt x="6693408" y="18288"/>
+                </a:cubicBezTo>
+                <a:cubicBezTo>
+                  <a:pt x="6598917" y="8370"/>
+                  <a:pt x="6395231" y="19114"/>
+                  <a:pt x="6227064" y="18288"/>
+                </a:cubicBezTo>
+                <a:cubicBezTo>
+                  <a:pt x="6058897" y="17462"/>
+                  <a:pt x="5618582" y="1091"/>
+                  <a:pt x="5431536" y="18288"/>
+                </a:cubicBezTo>
+                <a:cubicBezTo>
+                  <a:pt x="5244490" y="35485"/>
+                  <a:pt x="4729797" y="-9650"/>
+                  <a:pt x="4526280" y="18288"/>
+                </a:cubicBezTo>
+                <a:cubicBezTo>
+                  <a:pt x="4322763" y="46226"/>
+                  <a:pt x="4216797" y="756"/>
+                  <a:pt x="4059936" y="18288"/>
+                </a:cubicBezTo>
+                <a:cubicBezTo>
+                  <a:pt x="3903075" y="35820"/>
+                  <a:pt x="3537912" y="42098"/>
+                  <a:pt x="3374136" y="18288"/>
+                </a:cubicBezTo>
+                <a:cubicBezTo>
+                  <a:pt x="3210360" y="-5522"/>
+                  <a:pt x="3126842" y="39135"/>
+                  <a:pt x="2907792" y="18288"/>
+                </a:cubicBezTo>
+                <a:cubicBezTo>
+                  <a:pt x="2688742" y="-2559"/>
+                  <a:pt x="2490436" y="34100"/>
+                  <a:pt x="2112264" y="18288"/>
+                </a:cubicBezTo>
+                <a:cubicBezTo>
+                  <a:pt x="1734092" y="2476"/>
+                  <a:pt x="1744622" y="-7274"/>
+                  <a:pt x="1536192" y="18288"/>
+                </a:cubicBezTo>
+                <a:cubicBezTo>
+                  <a:pt x="1327762" y="43850"/>
+                  <a:pt x="1189025" y="6435"/>
+                  <a:pt x="1069848" y="18288"/>
+                </a:cubicBezTo>
+                <a:cubicBezTo>
+                  <a:pt x="950671" y="30141"/>
+                  <a:pt x="858345" y="33684"/>
+                  <a:pt x="713232" y="18288"/>
+                </a:cubicBezTo>
+                <a:cubicBezTo>
+                  <a:pt x="568119" y="2892"/>
+                  <a:pt x="250292" y="5410"/>
                   <a:pt x="0" y="18288"/>
                 </a:cubicBezTo>
                 <a:cubicBezTo>
-                  <a:pt x="843" y="9577"/>
-                  <a:pt x="371" y="6900"/>
+                  <a:pt x="465" y="13062"/>
+                  <a:pt x="-894" y="9029"/>
                   <a:pt x="0" y="0"/>
                 </a:cubicBezTo>
                 <a:close/>
@@ -12133,16 +12376,20 @@
             </a:pathLst>
           </a:custGeom>
           <a:solidFill>
-            <a:schemeClr val="accent2"/>
+            <a:schemeClr val="accent2">
+              <a:alpha val="75000"/>
+            </a:schemeClr>
           </a:solidFill>
-          <a:ln w="38100" cap="rnd">
+          <a:ln w="44450" cap="rnd">
             <a:solidFill>
-              <a:schemeClr val="accent2"/>
+              <a:schemeClr val="accent2">
+                <a:alpha val="75000"/>
+              </a:schemeClr>
             </a:solidFill>
             <a:round/>
             <a:extLst>
               <a:ext uri="{C807C97D-BFC1-408E-A445-0C87EB9F89A2}">
-                <ask:lineSketchStyleProps xmlns:ask="http://schemas.microsoft.com/office/drawing/2018/sketchyshapes" sd="1219033472">
+                <ask:lineSketchStyleProps xmlns:ask="http://schemas.microsoft.com/office/drawing/2018/sketchyshapes" sd="2727557108">
                   <a:prstGeom prst="rect">
                     <a:avLst/>
                   </a:prstGeom>
@@ -12181,55 +12428,6 @@
       </p:sp>
       <p:sp>
         <p:nvSpPr>
-          <p:cNvPr id="4" name="Footer Placeholder 3">
-            <a:extLst>
-              <a:ext uri="{FF2B5EF4-FFF2-40B4-BE49-F238E27FC236}">
-                <a16:creationId xmlns:a16="http://schemas.microsoft.com/office/drawing/2014/main" id="{C210A4E1-C5BE-F927-F3A1-D7297E346FB8}"/>
-              </a:ext>
-            </a:extLst>
-          </p:cNvPr>
-          <p:cNvSpPr>
-            <a:spLocks noGrp="1"/>
-          </p:cNvSpPr>
-          <p:nvPr>
-            <p:ph type="ftr" sz="quarter" idx="11"/>
-          </p:nvPr>
-        </p:nvSpPr>
-        <p:spPr>
-          <a:xfrm>
-            <a:off x="4038600" y="6356350"/>
-            <a:ext cx="4114800" cy="365125"/>
-          </a:xfrm>
-        </p:spPr>
-        <p:txBody>
-          <a:bodyPr vert="horz" lIns="91440" tIns="45720" rIns="91440" bIns="45720" rtlCol="0" anchor="ctr">
-            <a:normAutofit/>
-          </a:bodyPr>
-          <a:lstStyle/>
-          <a:p>
-            <a:pPr defTabSz="914400">
-              <a:spcAft>
-                <a:spcPts val="600"/>
-              </a:spcAft>
-            </a:pPr>
-            <a:r>
-              <a:rPr lang="en-US" kern="1200">
-                <a:solidFill>
-                  <a:schemeClr val="tx1">
-                    <a:tint val="75000"/>
-                  </a:schemeClr>
-                </a:solidFill>
-                <a:latin typeface="+mn-lt"/>
-                <a:ea typeface="+mn-ea"/>
-                <a:cs typeface="+mn-cs"/>
-              </a:rPr>
-              <a:t>Pitch Deck</a:t>
-            </a:r>
-          </a:p>
-        </p:txBody>
-      </p:sp>
-      <p:sp>
-        <p:nvSpPr>
           <p:cNvPr id="5" name="Slide Number Placeholder 4">
             <a:extLst>
               <a:ext uri="{FF2B5EF4-FFF2-40B4-BE49-F238E27FC236}">
@@ -12251,7 +12449,7 @@
           </a:xfrm>
         </p:spPr>
         <p:txBody>
-          <a:bodyPr vert="horz" lIns="91440" tIns="45720" rIns="91440" bIns="45720" rtlCol="0" anchor="ctr">
+          <a:bodyPr vert="horz" lIns="91440" tIns="45720" rIns="91440" bIns="45720" rtlCol="0">
             <a:normAutofit/>
           </a:bodyPr>
           <a:lstStyle/>
@@ -12262,7 +12460,7 @@
               </a:spcAft>
             </a:pPr>
             <a:fld id="{B5CEABB6-07DC-46E8-9B57-56EC44A396E5}" type="slidenum">
-              <a:rPr lang="en-US" smtClean="0"/>
+              <a:rPr lang="en-US"/>
               <a:pPr defTabSz="914400">
                 <a:spcAft>
                   <a:spcPts val="600"/>
@@ -12270,7 +12468,7 @@
               </a:pPr>
               <a:t>4</a:t>
             </a:fld>
-            <a:endParaRPr lang="en-US" dirty="0"/>
+            <a:endParaRPr lang="en-US"/>
           </a:p>
         </p:txBody>
       </p:sp>
@@ -12290,14 +12488,14 @@
             <p:ph idx="1"/>
             <p:extLst>
               <p:ext uri="{D42A27DB-BD31-4B8C-83A1-F6EECF244321}">
-                <p14:modId xmlns:p14="http://schemas.microsoft.com/office/powerpoint/2010/main" val="1784248132"/>
+                <p14:modId xmlns:p14="http://schemas.microsoft.com/office/powerpoint/2010/main" val="3746453202"/>
               </p:ext>
             </p:extLst>
           </p:nvPr>
         </p:nvGraphicFramePr>
         <p:xfrm>
-          <a:off x="4648018" y="640822"/>
-          <a:ext cx="6900512" cy="5536141"/>
+          <a:off x="572493" y="2071316"/>
+          <a:ext cx="6713552" cy="4119172"/>
         </p:xfrm>
         <a:graphic>
           <a:graphicData uri="http://schemas.openxmlformats.org/drawingml/2006/diagram">
@@ -12309,6 +12507,127 @@
     <p:extLst>
       <p:ext uri="{BB962C8B-B14F-4D97-AF65-F5344CB8AC3E}">
         <p14:creationId xmlns:p14="http://schemas.microsoft.com/office/powerpoint/2010/main" val="2039577732"/>
+      </p:ext>
+    </p:extLst>
+  </p:cSld>
+  <p:clrMapOvr>
+    <a:masterClrMapping/>
+  </p:clrMapOvr>
+</p:sld>
+</file>
+
+<file path=ppt/slides/slide5.xml><?xml version="1.0" encoding="utf-8"?>
+<p:sld xmlns:a="http://schemas.openxmlformats.org/drawingml/2006/main" xmlns:r="http://schemas.openxmlformats.org/officeDocument/2006/relationships" xmlns:p="http://schemas.openxmlformats.org/presentationml/2006/main">
+  <p:cSld>
+    <p:spTree>
+      <p:nvGrpSpPr>
+        <p:cNvPr id="1" name=""/>
+        <p:cNvGrpSpPr/>
+        <p:nvPr/>
+      </p:nvGrpSpPr>
+      <p:grpSpPr>
+        <a:xfrm>
+          <a:off x="0" y="0"/>
+          <a:ext cx="0" cy="0"/>
+          <a:chOff x="0" y="0"/>
+          <a:chExt cx="0" cy="0"/>
+        </a:xfrm>
+      </p:grpSpPr>
+      <p:sp>
+        <p:nvSpPr>
+          <p:cNvPr id="2" name="Title 1">
+            <a:extLst>
+              <a:ext uri="{FF2B5EF4-FFF2-40B4-BE49-F238E27FC236}">
+                <a16:creationId xmlns:a16="http://schemas.microsoft.com/office/drawing/2014/main" id="{7150A4C3-3377-5436-C89E-AA6009A2E758}"/>
+              </a:ext>
+            </a:extLst>
+          </p:cNvPr>
+          <p:cNvSpPr>
+            <a:spLocks noGrp="1"/>
+          </p:cNvSpPr>
+          <p:nvPr>
+            <p:ph type="title"/>
+          </p:nvPr>
+        </p:nvSpPr>
+        <p:spPr>
+          <a:xfrm>
+            <a:off x="838200" y="320675"/>
+            <a:ext cx="10515600" cy="1325563"/>
+          </a:xfrm>
+        </p:spPr>
+        <p:txBody>
+          <a:bodyPr/>
+          <a:lstStyle/>
+          <a:p>
+            <a:r>
+              <a:rPr lang="en-US" sz="5400" dirty="0"/>
+              <a:t>Configuration Management</a:t>
+            </a:r>
+          </a:p>
+        </p:txBody>
+      </p:sp>
+      <p:sp>
+        <p:nvSpPr>
+          <p:cNvPr id="3" name="Content Placeholder 2">
+            <a:extLst>
+              <a:ext uri="{FF2B5EF4-FFF2-40B4-BE49-F238E27FC236}">
+                <a16:creationId xmlns:a16="http://schemas.microsoft.com/office/drawing/2014/main" id="{326FC9A5-C0D6-C505-A188-57C9061B3ADD}"/>
+              </a:ext>
+            </a:extLst>
+          </p:cNvPr>
+          <p:cNvSpPr>
+            <a:spLocks noGrp="1"/>
+          </p:cNvSpPr>
+          <p:nvPr>
+            <p:ph idx="1"/>
+          </p:nvPr>
+        </p:nvSpPr>
+        <p:spPr/>
+        <p:txBody>
+          <a:bodyPr/>
+          <a:lstStyle/>
+          <a:p>
+            <a:r>
+              <a:rPr lang="en-US" sz="2200" dirty="0"/>
+              <a:t>Typical application will have more than one infrastructure and 3rd party service like Service registry, message broker and database server</a:t>
+            </a:r>
+          </a:p>
+        </p:txBody>
+      </p:sp>
+      <p:sp>
+        <p:nvSpPr>
+          <p:cNvPr id="5" name="Slide Number Placeholder 4">
+            <a:extLst>
+              <a:ext uri="{FF2B5EF4-FFF2-40B4-BE49-F238E27FC236}">
+                <a16:creationId xmlns:a16="http://schemas.microsoft.com/office/drawing/2014/main" id="{6F2D37E4-2864-9D50-8164-FFC3DEB066A0}"/>
+              </a:ext>
+            </a:extLst>
+          </p:cNvPr>
+          <p:cNvSpPr>
+            <a:spLocks noGrp="1"/>
+          </p:cNvSpPr>
+          <p:nvPr>
+            <p:ph type="sldNum" sz="quarter" idx="12"/>
+          </p:nvPr>
+        </p:nvSpPr>
+        <p:spPr/>
+        <p:txBody>
+          <a:bodyPr/>
+          <a:lstStyle/>
+          <a:p>
+            <a:fld id="{B5CEABB6-07DC-46E8-9B57-56EC44A396E5}" type="slidenum">
+              <a:rPr lang="en-US" smtClean="0"/>
+              <a:pPr/>
+              <a:t>5</a:t>
+            </a:fld>
+            <a:endParaRPr lang="en-US" dirty="0"/>
+          </a:p>
+        </p:txBody>
+      </p:sp>
+    </p:spTree>
+    <p:extLst>
+      <p:ext uri="{BB962C8B-B14F-4D97-AF65-F5344CB8AC3E}">
+        <p14:creationId xmlns:p14="http://schemas.microsoft.com/office/powerpoint/2010/main" val="3055468643"/>
       </p:ext>
     </p:extLst>
   </p:cSld>
@@ -13170,34 +13489,6 @@
 </file>
 
 <file path=customXml/item1.xml><?xml version="1.0" encoding="utf-8"?>
-<?mso-contentType ?>
-<FormTemplates xmlns="http://schemas.microsoft.com/sharepoint/v3/contenttype/forms">
-  <Display>DocumentLibraryForm</Display>
-  <Edit>DocumentLibraryForm</Edit>
-  <New>DocumentLibraryForm</New>
-</FormTemplates>
-</file>
-
-<file path=customXml/item2.xml><?xml version="1.0" encoding="utf-8"?>
-<p:properties xmlns:p="http://schemas.microsoft.com/office/2006/metadata/properties" xmlns:xsi="http://www.w3.org/2001/XMLSchema-instance" xmlns:pc="http://schemas.microsoft.com/office/infopath/2007/PartnerControls">
-  <documentManagement>
-    <_ip_UnifiedCompliancePolicyUIAction xmlns="http://schemas.microsoft.com/sharepoint/v3" xsi:nil="true"/>
-    <Image xmlns="71af3243-3dd4-4a8d-8c0d-dd76da1f02a5">
-      <Url xsi:nil="true"/>
-      <Description xsi:nil="true"/>
-    </Image>
-    <Status xmlns="71af3243-3dd4-4a8d-8c0d-dd76da1f02a5">Not started</Status>
-    <_ip_UnifiedCompliancePolicyProperties xmlns="http://schemas.microsoft.com/sharepoint/v3" xsi:nil="true"/>
-    <ImageTagsTaxHTField xmlns="71af3243-3dd4-4a8d-8c0d-dd76da1f02a5">
-      <Terms xmlns="http://schemas.microsoft.com/office/infopath/2007/PartnerControls"/>
-    </ImageTagsTaxHTField>
-    <TaxCatchAll xmlns="230e9df3-be65-4c73-a93b-d1236ebd677e"/>
-    <MediaServiceKeyPoints xmlns="71af3243-3dd4-4a8d-8c0d-dd76da1f02a5" xsi:nil="true"/>
-  </documentManagement>
-</p:properties>
-</file>
-
-<file path=customXml/item3.xml><?xml version="1.0" encoding="utf-8"?>
 <ct:contentTypeSchema xmlns:ct="http://schemas.microsoft.com/office/2006/metadata/contentType" xmlns:ma="http://schemas.microsoft.com/office/2006/metadata/properties/metaAttributes" ct:_="" ma:_="" ma:contentTypeName="Document" ma:contentTypeID="0x01010079F111ED35F8CC479449609E8A0923A6" ma:contentTypeVersion="20" ma:contentTypeDescription="Create a new document." ma:contentTypeScope="" ma:versionID="1267097ee5f5874adfcc408041ae252e">
   <xsd:schema xmlns:xsd="http://www.w3.org/2001/XMLSchema" xmlns:xs="http://www.w3.org/2001/XMLSchema" xmlns:p="http://schemas.microsoft.com/office/2006/metadata/properties" xmlns:ns1="http://schemas.microsoft.com/sharepoint/v3" xmlns:ns2="71af3243-3dd4-4a8d-8c0d-dd76da1f02a5" xmlns:ns3="16c05727-aa75-4e4a-9b5f-8a80a1165891" xmlns:ns4="230e9df3-be65-4c73-a93b-d1236ebd677e" targetNamespace="http://schemas.microsoft.com/office/2006/metadata/properties" ma:root="true" ma:fieldsID="395891a93df65b14727750f2c06c306c" ns1:_="" ns2:_="" ns3:_="" ns4:_="">
     <xsd:import namespace="http://schemas.microsoft.com/sharepoint/v3"/>
@@ -13473,27 +13764,35 @@
 </ct:contentTypeSchema>
 </file>
 
-<file path=customXml/itemProps1.xml><?xml version="1.0" encoding="utf-8"?>
-<ds:datastoreItem xmlns:ds="http://schemas.openxmlformats.org/officeDocument/2006/customXml" ds:itemID="{2815A6BF-B4A3-4B5C-B85C-0D4CB6AE15C7}">
-  <ds:schemaRefs>
-    <ds:schemaRef ds:uri="http://schemas.microsoft.com/sharepoint/v3/contenttype/forms"/>
-  </ds:schemaRefs>
-</ds:datastoreItem>
+<file path=customXml/item2.xml><?xml version="1.0" encoding="utf-8"?>
+<p:properties xmlns:p="http://schemas.microsoft.com/office/2006/metadata/properties" xmlns:xsi="http://www.w3.org/2001/XMLSchema-instance" xmlns:pc="http://schemas.microsoft.com/office/infopath/2007/PartnerControls">
+  <documentManagement>
+    <_ip_UnifiedCompliancePolicyUIAction xmlns="http://schemas.microsoft.com/sharepoint/v3" xsi:nil="true"/>
+    <Image xmlns="71af3243-3dd4-4a8d-8c0d-dd76da1f02a5">
+      <Url xsi:nil="true"/>
+      <Description xsi:nil="true"/>
+    </Image>
+    <Status xmlns="71af3243-3dd4-4a8d-8c0d-dd76da1f02a5">Not started</Status>
+    <_ip_UnifiedCompliancePolicyProperties xmlns="http://schemas.microsoft.com/sharepoint/v3" xsi:nil="true"/>
+    <ImageTagsTaxHTField xmlns="71af3243-3dd4-4a8d-8c0d-dd76da1f02a5">
+      <Terms xmlns="http://schemas.microsoft.com/office/infopath/2007/PartnerControls"/>
+    </ImageTagsTaxHTField>
+    <TaxCatchAll xmlns="230e9df3-be65-4c73-a93b-d1236ebd677e"/>
+    <MediaServiceKeyPoints xmlns="71af3243-3dd4-4a8d-8c0d-dd76da1f02a5" xsi:nil="true"/>
+  </documentManagement>
+</p:properties>
 </file>
 
-<file path=customXml/itemProps2.xml><?xml version="1.0" encoding="utf-8"?>
-<ds:datastoreItem xmlns:ds="http://schemas.openxmlformats.org/officeDocument/2006/customXml" ds:itemID="{E7D61E6D-BC40-43C3-A154-0081729E0F7E}">
-  <ds:schemaRefs>
-    <ds:schemaRef ds:uri="http://schemas.microsoft.com/office/2006/metadata/properties"/>
-    <ds:schemaRef ds:uri="http://schemas.microsoft.com/office/infopath/2007/PartnerControls"/>
-    <ds:schemaRef ds:uri="http://schemas.microsoft.com/sharepoint/v3"/>
-    <ds:schemaRef ds:uri="71af3243-3dd4-4a8d-8c0d-dd76da1f02a5"/>
-    <ds:schemaRef ds:uri="230e9df3-be65-4c73-a93b-d1236ebd677e"/>
-  </ds:schemaRefs>
-</ds:datastoreItem>
+<file path=customXml/item3.xml><?xml version="1.0" encoding="utf-8"?>
+<?mso-contentType ?>
+<FormTemplates xmlns="http://schemas.microsoft.com/sharepoint/v3/contenttype/forms">
+  <Display>DocumentLibraryForm</Display>
+  <Edit>DocumentLibraryForm</Edit>
+  <New>DocumentLibraryForm</New>
+</FormTemplates>
 </file>
 
-<file path=customXml/itemProps3.xml><?xml version="1.0" encoding="utf-8"?>
+<file path=customXml/itemProps1.xml><?xml version="1.0" encoding="utf-8"?>
 <ds:datastoreItem xmlns:ds="http://schemas.openxmlformats.org/officeDocument/2006/customXml" ds:itemID="{9081D1F3-EE22-4802-8DFA-C4795BD0F382}">
   <ds:schemaRefs>
     <ds:schemaRef ds:uri="http://schemas.microsoft.com/office/2006/metadata/contentType"/>
@@ -13514,6 +13813,26 @@
 </ds:datastoreItem>
 </file>
 
+<file path=customXml/itemProps2.xml><?xml version="1.0" encoding="utf-8"?>
+<ds:datastoreItem xmlns:ds="http://schemas.openxmlformats.org/officeDocument/2006/customXml" ds:itemID="{E7D61E6D-BC40-43C3-A154-0081729E0F7E}">
+  <ds:schemaRefs>
+    <ds:schemaRef ds:uri="http://schemas.microsoft.com/office/2006/metadata/properties"/>
+    <ds:schemaRef ds:uri="http://schemas.microsoft.com/office/infopath/2007/PartnerControls"/>
+    <ds:schemaRef ds:uri="http://schemas.microsoft.com/sharepoint/v3"/>
+    <ds:schemaRef ds:uri="71af3243-3dd4-4a8d-8c0d-dd76da1f02a5"/>
+    <ds:schemaRef ds:uri="230e9df3-be65-4c73-a93b-d1236ebd677e"/>
+  </ds:schemaRefs>
+</ds:datastoreItem>
+</file>
+
+<file path=customXml/itemProps3.xml><?xml version="1.0" encoding="utf-8"?>
+<ds:datastoreItem xmlns:ds="http://schemas.openxmlformats.org/officeDocument/2006/customXml" ds:itemID="{2815A6BF-B4A3-4B5C-B85C-0D4CB6AE15C7}">
+  <ds:schemaRefs>
+    <ds:schemaRef ds:uri="http://schemas.microsoft.com/sharepoint/v3/contenttype/forms"/>
+  </ds:schemaRefs>
+</ds:datastoreItem>
+</file>
+
 <file path=docMetadata/LabelInfo.xml><?xml version="1.0" encoding="utf-8"?>
 <clbl:labelList xmlns:clbl="http://schemas.microsoft.com/office/2020/mipLabelMetadata">
   <clbl:label id="{f42aa342-8706-4288-bd11-ebb85995028c}" enabled="1" method="Standard" siteId="{72f988bf-86f1-41af-91ab-2d7cd011db47}" removed="0"/>
